--- a/AFL Dashboard.pptx
+++ b/AFL Dashboard.pptx
@@ -271,7 +271,7 @@
           <a:p>
             <a:fld id="{EBFEB55E-6781-6442-B848-7BD2AC5A3D9C}" type="datetimeFigureOut">
               <a:rPr lang="en-US" smtClean="0"/>
-              <a:t>12/12/21</a:t>
+              <a:t>12/12/2021</a:t>
             </a:fld>
             <a:endParaRPr lang="en-US"/>
           </a:p>
@@ -471,7 +471,7 @@
           <a:p>
             <a:fld id="{EBFEB55E-6781-6442-B848-7BD2AC5A3D9C}" type="datetimeFigureOut">
               <a:rPr lang="en-US" smtClean="0"/>
-              <a:t>12/12/21</a:t>
+              <a:t>12/12/2021</a:t>
             </a:fld>
             <a:endParaRPr lang="en-US"/>
           </a:p>
@@ -681,7 +681,7 @@
           <a:p>
             <a:fld id="{EBFEB55E-6781-6442-B848-7BD2AC5A3D9C}" type="datetimeFigureOut">
               <a:rPr lang="en-US" smtClean="0"/>
-              <a:t>12/12/21</a:t>
+              <a:t>12/12/2021</a:t>
             </a:fld>
             <a:endParaRPr lang="en-US"/>
           </a:p>
@@ -881,7 +881,7 @@
           <a:p>
             <a:fld id="{EBFEB55E-6781-6442-B848-7BD2AC5A3D9C}" type="datetimeFigureOut">
               <a:rPr lang="en-US" smtClean="0"/>
-              <a:t>12/12/21</a:t>
+              <a:t>12/12/2021</a:t>
             </a:fld>
             <a:endParaRPr lang="en-US"/>
           </a:p>
@@ -1157,7 +1157,7 @@
           <a:p>
             <a:fld id="{EBFEB55E-6781-6442-B848-7BD2AC5A3D9C}" type="datetimeFigureOut">
               <a:rPr lang="en-US" smtClean="0"/>
-              <a:t>12/12/21</a:t>
+              <a:t>12/12/2021</a:t>
             </a:fld>
             <a:endParaRPr lang="en-US"/>
           </a:p>
@@ -1425,7 +1425,7 @@
           <a:p>
             <a:fld id="{EBFEB55E-6781-6442-B848-7BD2AC5A3D9C}" type="datetimeFigureOut">
               <a:rPr lang="en-US" smtClean="0"/>
-              <a:t>12/12/21</a:t>
+              <a:t>12/12/2021</a:t>
             </a:fld>
             <a:endParaRPr lang="en-US"/>
           </a:p>
@@ -1840,7 +1840,7 @@
           <a:p>
             <a:fld id="{EBFEB55E-6781-6442-B848-7BD2AC5A3D9C}" type="datetimeFigureOut">
               <a:rPr lang="en-US" smtClean="0"/>
-              <a:t>12/12/21</a:t>
+              <a:t>12/12/2021</a:t>
             </a:fld>
             <a:endParaRPr lang="en-US"/>
           </a:p>
@@ -1982,7 +1982,7 @@
           <a:p>
             <a:fld id="{EBFEB55E-6781-6442-B848-7BD2AC5A3D9C}" type="datetimeFigureOut">
               <a:rPr lang="en-US" smtClean="0"/>
-              <a:t>12/12/21</a:t>
+              <a:t>12/12/2021</a:t>
             </a:fld>
             <a:endParaRPr lang="en-US"/>
           </a:p>
@@ -2095,7 +2095,7 @@
           <a:p>
             <a:fld id="{EBFEB55E-6781-6442-B848-7BD2AC5A3D9C}" type="datetimeFigureOut">
               <a:rPr lang="en-US" smtClean="0"/>
-              <a:t>12/12/21</a:t>
+              <a:t>12/12/2021</a:t>
             </a:fld>
             <a:endParaRPr lang="en-US"/>
           </a:p>
@@ -2408,7 +2408,7 @@
           <a:p>
             <a:fld id="{EBFEB55E-6781-6442-B848-7BD2AC5A3D9C}" type="datetimeFigureOut">
               <a:rPr lang="en-US" smtClean="0"/>
-              <a:t>12/12/21</a:t>
+              <a:t>12/12/2021</a:t>
             </a:fld>
             <a:endParaRPr lang="en-US"/>
           </a:p>
@@ -2697,7 +2697,7 @@
           <a:p>
             <a:fld id="{EBFEB55E-6781-6442-B848-7BD2AC5A3D9C}" type="datetimeFigureOut">
               <a:rPr lang="en-US" smtClean="0"/>
-              <a:t>12/12/21</a:t>
+              <a:t>12/12/2021</a:t>
             </a:fld>
             <a:endParaRPr lang="en-US"/>
           </a:p>
@@ -2940,7 +2940,7 @@
           <a:p>
             <a:fld id="{EBFEB55E-6781-6442-B848-7BD2AC5A3D9C}" type="datetimeFigureOut">
               <a:rPr lang="en-US" smtClean="0"/>
-              <a:t>12/12/21</a:t>
+              <a:t>12/12/2021</a:t>
             </a:fld>
             <a:endParaRPr lang="en-US"/>
           </a:p>
@@ -6285,7 +6285,7 @@
     <p:bg>
       <p:bgPr>
         <a:solidFill>
-          <a:schemeClr val="tx1"/>
+          <a:schemeClr val="bg1"/>
         </a:solidFill>
         <a:effectLst/>
       </p:bgPr>
@@ -6306,10 +6306,10 @@
       </p:grpSpPr>
       <p:sp>
         <p:nvSpPr>
-          <p:cNvPr id="100" name="Freeform: Shape 99">
-            <a:extLst>
-              <a:ext uri="{FF2B5EF4-FFF2-40B4-BE49-F238E27FC236}">
-                <a16:creationId xmlns:a16="http://schemas.microsoft.com/office/drawing/2014/main" id="{8F23F8A3-8FD7-4779-8323-FDC26BE99889}"/>
+          <p:cNvPr id="111" name="Down Arrow 7">
+            <a:extLst>
+              <a:ext uri="{FF2B5EF4-FFF2-40B4-BE49-F238E27FC236}">
+                <a16:creationId xmlns:a16="http://schemas.microsoft.com/office/drawing/2014/main" id="{D4771268-CB57-404A-9271-370EB28F6090}"/>
               </a:ext>
               <a:ext uri="{C183D7F6-B498-43B3-948B-1728B52AA6E4}">
                 <adec:decorative xmlns:adec="http://schemas.microsoft.com/office/drawing/2017/decorative" val="1"/>
@@ -6328,96 +6328,20 @@
           </p:nvPr>
         </p:nvSpPr>
         <p:spPr>
-          <a:xfrm flipV="1">
-            <a:off x="0" y="-478"/>
-            <a:ext cx="7859800" cy="6858478"/>
+          <a:xfrm rot="16200000">
+            <a:off x="800100" y="1491343"/>
+            <a:ext cx="3333749" cy="3499103"/>
           </a:xfrm>
-          <a:custGeom>
-            <a:avLst/>
-            <a:gdLst>
-              <a:gd name="connsiteX0" fmla="*/ 7859800 w 7859800"/>
-              <a:gd name="connsiteY0" fmla="*/ 6858478 h 6858478"/>
-              <a:gd name="connsiteX1" fmla="*/ 435245 w 7859800"/>
-              <a:gd name="connsiteY1" fmla="*/ 6858478 h 6858478"/>
-              <a:gd name="connsiteX2" fmla="*/ 435505 w 7859800"/>
-              <a:gd name="connsiteY2" fmla="*/ 6857916 h 6858478"/>
-              <a:gd name="connsiteX3" fmla="*/ 0 w 7859800"/>
-              <a:gd name="connsiteY3" fmla="*/ 6857916 h 6858478"/>
-              <a:gd name="connsiteX4" fmla="*/ 0 w 7859800"/>
-              <a:gd name="connsiteY4" fmla="*/ 0 h 6858478"/>
-              <a:gd name="connsiteX5" fmla="*/ 3611620 w 7859800"/>
-              <a:gd name="connsiteY5" fmla="*/ 0 h 6858478"/>
-              <a:gd name="connsiteX6" fmla="*/ 4677848 w 7859800"/>
-              <a:gd name="connsiteY6" fmla="*/ 0 h 6858478"/>
-              <a:gd name="connsiteX7" fmla="*/ 4683425 w 7859800"/>
-              <a:gd name="connsiteY7" fmla="*/ 0 h 6858478"/>
-            </a:gdLst>
-            <a:ahLst/>
-            <a:cxnLst>
-              <a:cxn ang="0">
-                <a:pos x="connsiteX0" y="connsiteY0"/>
-              </a:cxn>
-              <a:cxn ang="0">
-                <a:pos x="connsiteX1" y="connsiteY1"/>
-              </a:cxn>
-              <a:cxn ang="0">
-                <a:pos x="connsiteX2" y="connsiteY2"/>
-              </a:cxn>
-              <a:cxn ang="0">
-                <a:pos x="connsiteX3" y="connsiteY3"/>
-              </a:cxn>
-              <a:cxn ang="0">
-                <a:pos x="connsiteX4" y="connsiteY4"/>
-              </a:cxn>
-              <a:cxn ang="0">
-                <a:pos x="connsiteX5" y="connsiteY5"/>
-              </a:cxn>
-              <a:cxn ang="0">
-                <a:pos x="connsiteX6" y="connsiteY6"/>
-              </a:cxn>
-              <a:cxn ang="0">
-                <a:pos x="connsiteX7" y="connsiteY7"/>
-              </a:cxn>
-            </a:cxnLst>
-            <a:rect l="l" t="t" r="r" b="b"/>
-            <a:pathLst>
-              <a:path w="7859800" h="6858478">
-                <a:moveTo>
-                  <a:pt x="7859800" y="6858478"/>
-                </a:moveTo>
-                <a:lnTo>
-                  <a:pt x="435245" y="6858478"/>
-                </a:lnTo>
-                <a:lnTo>
-                  <a:pt x="435505" y="6857916"/>
-                </a:lnTo>
-                <a:lnTo>
-                  <a:pt x="0" y="6857916"/>
-                </a:lnTo>
-                <a:lnTo>
-                  <a:pt x="0" y="0"/>
-                </a:lnTo>
-                <a:lnTo>
-                  <a:pt x="3611620" y="0"/>
-                </a:lnTo>
-                <a:lnTo>
-                  <a:pt x="4677848" y="0"/>
-                </a:lnTo>
-                <a:lnTo>
-                  <a:pt x="4683425" y="0"/>
-                </a:lnTo>
-                <a:close/>
-              </a:path>
-            </a:pathLst>
-          </a:custGeom>
+          <a:prstGeom prst="downArrow">
+            <a:avLst>
+              <a:gd name="adj1" fmla="val 100000"/>
+              <a:gd name="adj2" fmla="val 15788"/>
+            </a:avLst>
+          </a:prstGeom>
           <a:solidFill>
-            <a:schemeClr val="bg1">
-              <a:lumMod val="85000"/>
-              <a:lumOff val="15000"/>
-              <a:alpha val="70000"/>
-            </a:schemeClr>
+            <a:srgbClr val="404040"/>
           </a:solidFill>
-          <a:ln>
+          <a:ln w="53975">
             <a:noFill/>
           </a:ln>
         </p:spPr>
@@ -6438,202 +6362,91 @@
           </a:fontRef>
         </p:style>
         <p:txBody>
-          <a:bodyPr wrap="square" rtlCol="0" anchor="ctr">
-            <a:noAutofit/>
+          <a:bodyPr rtlCol="0" anchor="ctr"/>
+          <a:lstStyle/>
+          <a:p>
+            <a:pPr algn="ctr"/>
+            <a:endParaRPr lang="en-US"/>
+          </a:p>
+        </p:txBody>
+      </p:sp>
+      <p:sp>
+        <p:nvSpPr>
+          <p:cNvPr id="106" name="Title 1">
+            <a:extLst>
+              <a:ext uri="{FF2B5EF4-FFF2-40B4-BE49-F238E27FC236}">
+                <a16:creationId xmlns:a16="http://schemas.microsoft.com/office/drawing/2014/main" id="{5C9AE957-7A86-B44E-8620-9DC0916C6EB8}"/>
+              </a:ext>
+            </a:extLst>
+          </p:cNvPr>
+          <p:cNvSpPr>
+            <a:spLocks noGrp="1"/>
+          </p:cNvSpPr>
+          <p:nvPr>
+            <p:ph type="title"/>
+          </p:nvPr>
+        </p:nvSpPr>
+        <p:spPr>
+          <a:xfrm>
+            <a:off x="1028700" y="1967266"/>
+            <a:ext cx="2628900" cy="2547257"/>
+          </a:xfrm>
+          <a:prstGeom prst="rect">
+            <a:avLst/>
+          </a:prstGeom>
+          <a:noFill/>
+        </p:spPr>
+        <p:txBody>
+          <a:bodyPr vert="horz" lIns="91440" tIns="45720" rIns="91440" bIns="45720" rtlCol="0" anchor="ctr">
+            <a:normAutofit fontScale="90000"/>
           </a:bodyPr>
           <a:lstStyle/>
           <a:p>
             <a:pPr algn="ctr"/>
-            <a:endParaRPr lang="en-US"/>
-          </a:p>
-        </p:txBody>
-      </p:sp>
-      <p:sp>
-        <p:nvSpPr>
-          <p:cNvPr id="102" name="Freeform: Shape 101">
-            <a:extLst>
-              <a:ext uri="{FF2B5EF4-FFF2-40B4-BE49-F238E27FC236}">
-                <a16:creationId xmlns:a16="http://schemas.microsoft.com/office/drawing/2014/main" id="{F605C4CC-A25C-416F-8333-7CB7DC97D870}"/>
-              </a:ext>
-              <a:ext uri="{C183D7F6-B498-43B3-948B-1728B52AA6E4}">
-                <adec:decorative xmlns:adec="http://schemas.microsoft.com/office/drawing/2017/decorative" val="1"/>
-              </a:ext>
-            </a:extLst>
-          </p:cNvPr>
-          <p:cNvSpPr>
-            <a:spLocks noGrp="1" noRot="1" noChangeAspect="1" noMove="1" noResize="1" noEditPoints="1" noAdjustHandles="1" noChangeArrowheads="1" noChangeShapeType="1" noTextEdit="1"/>
-          </p:cNvSpPr>
-          <p:nvPr>
-            <p:extLst>
-              <p:ext uri="{386F3935-93C4-4BCD-93E2-E3B085C9AB24}">
-                <p16:designElem xmlns:p16="http://schemas.microsoft.com/office/powerpoint/2015/main" val="1"/>
-              </p:ext>
-            </p:extLst>
-          </p:nvPr>
-        </p:nvSpPr>
-        <p:spPr>
-          <a:xfrm flipV="1">
-            <a:off x="0" y="-478"/>
-            <a:ext cx="7431174" cy="6858478"/>
-          </a:xfrm>
-          <a:custGeom>
-            <a:avLst/>
-            <a:gdLst>
-              <a:gd name="connsiteX0" fmla="*/ 7431174 w 7431174"/>
-              <a:gd name="connsiteY0" fmla="*/ 6858478 h 6858478"/>
-              <a:gd name="connsiteX1" fmla="*/ 6619 w 7431174"/>
-              <a:gd name="connsiteY1" fmla="*/ 6858478 h 6858478"/>
-              <a:gd name="connsiteX2" fmla="*/ 6879 w 7431174"/>
-              <a:gd name="connsiteY2" fmla="*/ 6857916 h 6858478"/>
-              <a:gd name="connsiteX3" fmla="*/ 0 w 7431174"/>
-              <a:gd name="connsiteY3" fmla="*/ 6857916 h 6858478"/>
-              <a:gd name="connsiteX4" fmla="*/ 0 w 7431174"/>
-              <a:gd name="connsiteY4" fmla="*/ 0 h 6858478"/>
-              <a:gd name="connsiteX5" fmla="*/ 3182994 w 7431174"/>
-              <a:gd name="connsiteY5" fmla="*/ 0 h 6858478"/>
-              <a:gd name="connsiteX6" fmla="*/ 4249222 w 7431174"/>
-              <a:gd name="connsiteY6" fmla="*/ 0 h 6858478"/>
-              <a:gd name="connsiteX7" fmla="*/ 4254799 w 7431174"/>
-              <a:gd name="connsiteY7" fmla="*/ 0 h 6858478"/>
-            </a:gdLst>
-            <a:ahLst/>
-            <a:cxnLst>
-              <a:cxn ang="0">
-                <a:pos x="connsiteX0" y="connsiteY0"/>
-              </a:cxn>
-              <a:cxn ang="0">
-                <a:pos x="connsiteX1" y="connsiteY1"/>
-              </a:cxn>
-              <a:cxn ang="0">
-                <a:pos x="connsiteX2" y="connsiteY2"/>
-              </a:cxn>
-              <a:cxn ang="0">
-                <a:pos x="connsiteX3" y="connsiteY3"/>
-              </a:cxn>
-              <a:cxn ang="0">
-                <a:pos x="connsiteX4" y="connsiteY4"/>
-              </a:cxn>
-              <a:cxn ang="0">
-                <a:pos x="connsiteX5" y="connsiteY5"/>
-              </a:cxn>
-              <a:cxn ang="0">
-                <a:pos x="connsiteX6" y="connsiteY6"/>
-              </a:cxn>
-              <a:cxn ang="0">
-                <a:pos x="connsiteX7" y="connsiteY7"/>
-              </a:cxn>
-            </a:cxnLst>
-            <a:rect l="l" t="t" r="r" b="b"/>
-            <a:pathLst>
-              <a:path w="7431174" h="6858478">
-                <a:moveTo>
-                  <a:pt x="7431174" y="6858478"/>
-                </a:moveTo>
-                <a:lnTo>
-                  <a:pt x="6619" y="6858478"/>
-                </a:lnTo>
-                <a:lnTo>
-                  <a:pt x="6879" y="6857916"/>
-                </a:lnTo>
-                <a:lnTo>
-                  <a:pt x="0" y="6857916"/>
-                </a:lnTo>
-                <a:lnTo>
-                  <a:pt x="0" y="0"/>
-                </a:lnTo>
-                <a:lnTo>
-                  <a:pt x="3182994" y="0"/>
-                </a:lnTo>
-                <a:lnTo>
-                  <a:pt x="4249222" y="0"/>
-                </a:lnTo>
-                <a:lnTo>
-                  <a:pt x="4254799" y="0"/>
-                </a:lnTo>
-                <a:close/>
-              </a:path>
-            </a:pathLst>
-          </a:custGeom>
-          <a:solidFill>
-            <a:schemeClr val="bg1">
-              <a:lumMod val="85000"/>
-              <a:lumOff val="15000"/>
-            </a:schemeClr>
-          </a:solidFill>
-          <a:ln>
-            <a:noFill/>
-          </a:ln>
-        </p:spPr>
-        <p:style>
-          <a:lnRef idx="2">
-            <a:schemeClr val="accent1">
-              <a:shade val="50000"/>
-            </a:schemeClr>
-          </a:lnRef>
-          <a:fillRef idx="1">
-            <a:schemeClr val="accent1"/>
-          </a:fillRef>
-          <a:effectRef idx="0">
-            <a:schemeClr val="accent1"/>
-          </a:effectRef>
-          <a:fontRef idx="minor">
-            <a:schemeClr val="lt1"/>
-          </a:fontRef>
-        </p:style>
-        <p:txBody>
-          <a:bodyPr wrap="square" rtlCol="0" anchor="ctr">
-            <a:noAutofit/>
-          </a:bodyPr>
-          <a:lstStyle/>
-          <a:p>
-            <a:pPr algn="ctr"/>
-            <a:endParaRPr lang="en-US"/>
-          </a:p>
-        </p:txBody>
-      </p:sp>
-      <p:sp>
-        <p:nvSpPr>
-          <p:cNvPr id="106" name="Title 1">
-            <a:extLst>
-              <a:ext uri="{FF2B5EF4-FFF2-40B4-BE49-F238E27FC236}">
-                <a16:creationId xmlns:a16="http://schemas.microsoft.com/office/drawing/2014/main" id="{5C9AE957-7A86-B44E-8620-9DC0916C6EB8}"/>
-              </a:ext>
-            </a:extLst>
-          </p:cNvPr>
-          <p:cNvSpPr>
-            <a:spLocks noGrp="1"/>
-          </p:cNvSpPr>
-          <p:nvPr>
-            <p:ph type="title"/>
-          </p:nvPr>
-        </p:nvSpPr>
+            <a:r>
+              <a:rPr lang="en-US" sz="3600" kern="1200" dirty="0">
+                <a:solidFill>
+                  <a:srgbClr val="FFFFFF"/>
+                </a:solidFill>
+                <a:latin typeface="+mj-lt"/>
+                <a:ea typeface="+mj-ea"/>
+                <a:cs typeface="+mj-cs"/>
+              </a:rPr>
+              <a:t>Historical average points overview by state</a:t>
+            </a:r>
+          </a:p>
+        </p:txBody>
+      </p:sp>
+      <p:pic>
+        <p:nvPicPr>
+          <p:cNvPr id="3" name="Picture 2">
+            <a:extLst>
+              <a:ext uri="{FF2B5EF4-FFF2-40B4-BE49-F238E27FC236}">
+                <a16:creationId xmlns:a16="http://schemas.microsoft.com/office/drawing/2014/main" id="{904D702E-0154-475B-816A-C896356E92B2}"/>
+              </a:ext>
+            </a:extLst>
+          </p:cNvPr>
+          <p:cNvPicPr>
+            <a:picLocks noChangeAspect="1"/>
+          </p:cNvPicPr>
+          <p:nvPr/>
+        </p:nvPicPr>
+        <p:blipFill>
+          <a:blip r:embed="rId2"/>
+          <a:stretch>
+            <a:fillRect/>
+          </a:stretch>
+        </p:blipFill>
         <p:spPr>
           <a:xfrm>
-            <a:off x="141043" y="150358"/>
-            <a:ext cx="6234303" cy="1325563"/>
+            <a:off x="4385569" y="398239"/>
+            <a:ext cx="7665388" cy="5390002"/>
           </a:xfrm>
           <a:prstGeom prst="rect">
             <a:avLst/>
           </a:prstGeom>
         </p:spPr>
-        <p:txBody>
-          <a:bodyPr vert="horz" lIns="91440" tIns="45720" rIns="91440" bIns="45720" rtlCol="0">
-            <a:normAutofit/>
-          </a:bodyPr>
-          <a:lstStyle/>
-          <a:p>
-            <a:r>
-              <a:rPr lang="en-AU" dirty="0">
-                <a:latin typeface="Britannic Bold" panose="020B0903060703020204" pitchFamily="34" charset="77"/>
-              </a:rPr>
-              <a:t>Au Map - Serena</a:t>
-            </a:r>
-            <a:endParaRPr lang="en-US" dirty="0">
-              <a:latin typeface="Britannic Bold" panose="020B0903060703020204" pitchFamily="34" charset="77"/>
-            </a:endParaRPr>
-          </a:p>
-        </p:txBody>
-      </p:sp>
+      </p:pic>
       <p:sp>
         <p:nvSpPr>
           <p:cNvPr id="10" name="Title 1">
@@ -6681,13 +6494,23 @@
             </a:lvl1pPr>
           </a:lstStyle>
           <a:p>
-            <a:endParaRPr lang="en-AU" sz="2800" dirty="0">
+            <a:pPr>
+              <a:spcAft>
+                <a:spcPts val="600"/>
+              </a:spcAft>
+            </a:pPr>
+            <a:endParaRPr lang="en-AU" sz="2800">
               <a:latin typeface="Al Nile" pitchFamily="2" charset="-78"/>
               <a:cs typeface="Al Nile" pitchFamily="2" charset="-78"/>
             </a:endParaRPr>
           </a:p>
           <a:p>
-            <a:endParaRPr lang="en-US" sz="2800" dirty="0">
+            <a:pPr>
+              <a:spcAft>
+                <a:spcPts val="600"/>
+              </a:spcAft>
+            </a:pPr>
+            <a:endParaRPr lang="en-US" sz="2800">
               <a:latin typeface="Al Nile" pitchFamily="2" charset="-78"/>
               <a:cs typeface="Al Nile" pitchFamily="2" charset="-78"/>
             </a:endParaRPr>
@@ -6756,7 +6579,7 @@
     </p:extLst>
   </p:cSld>
   <p:clrMapOvr>
-    <a:overrideClrMapping bg1="dk1" tx1="lt1" bg2="dk2" tx2="lt2" accent1="accent1" accent2="accent2" accent3="accent3" accent4="accent4" accent5="accent5" accent6="accent6" hlink="hlink" folHlink="folHlink"/>
+    <a:masterClrMapping/>
   </p:clrMapOvr>
 </p:sld>
 </file>

--- a/AFL Dashboard.pptx
+++ b/AFL Dashboard.pptx
@@ -6,16 +6,17 @@
   </p:sldMasterIdLst>
   <p:sldIdLst>
     <p:sldId id="256" r:id="rId2"/>
-    <p:sldId id="257" r:id="rId3"/>
-    <p:sldId id="259" r:id="rId4"/>
-    <p:sldId id="260" r:id="rId5"/>
-    <p:sldId id="261" r:id="rId6"/>
-    <p:sldId id="264" r:id="rId7"/>
+    <p:sldId id="267" r:id="rId3"/>
+    <p:sldId id="257" r:id="rId4"/>
+    <p:sldId id="259" r:id="rId5"/>
+    <p:sldId id="260" r:id="rId6"/>
+    <p:sldId id="261" r:id="rId7"/>
     <p:sldId id="263" r:id="rId8"/>
-    <p:sldId id="262" r:id="rId9"/>
-    <p:sldId id="265" r:id="rId10"/>
-    <p:sldId id="258" r:id="rId11"/>
-    <p:sldId id="266" r:id="rId12"/>
+    <p:sldId id="264" r:id="rId9"/>
+    <p:sldId id="262" r:id="rId10"/>
+    <p:sldId id="265" r:id="rId11"/>
+    <p:sldId id="258" r:id="rId12"/>
+    <p:sldId id="266" r:id="rId13"/>
   </p:sldIdLst>
   <p:sldSz cx="12192000" cy="6858000"/>
   <p:notesSz cx="6858000" cy="9144000"/>
@@ -3453,7 +3454,7 @@
         </p:blipFill>
         <p:spPr bwMode="auto">
           <a:xfrm>
-            <a:off x="0" y="10"/>
+            <a:off x="0" y="-7290"/>
             <a:ext cx="12191980" cy="6857990"/>
           </a:xfrm>
           <a:prstGeom prst="rect">
@@ -3559,7 +3560,7 @@
             <a:br>
               <a:rPr lang="en-US" sz="6200" dirty="0"/>
             </a:br>
-            <a:endParaRPr lang="en-US" sz="6200" dirty="0"/>
+            <a:endParaRPr lang="en-US" sz="1600" dirty="0"/>
           </a:p>
         </p:txBody>
       </p:sp>
@@ -3582,7 +3583,7 @@
         <p:spPr>
           <a:xfrm>
             <a:off x="1769532" y="4623127"/>
-            <a:ext cx="8655200" cy="457201"/>
+            <a:ext cx="3210841" cy="457201"/>
           </a:xfrm>
         </p:spPr>
         <p:txBody>
@@ -3611,6 +3612,11 @@
               </a:rPr>
               <a:t> 1 </a:t>
             </a:r>
+          </a:p>
+          <a:p>
+            <a:endParaRPr lang="en-US" sz="1800" dirty="0">
+              <a:latin typeface="Britannic Bold" panose="020B0903060703020204" pitchFamily="34" charset="77"/>
+            </a:endParaRPr>
           </a:p>
         </p:txBody>
       </p:sp>
@@ -3707,6 +3713,47 @@
           </a:extLst>
         </p:spPr>
       </p:pic>
+      <p:sp>
+        <p:nvSpPr>
+          <p:cNvPr id="4" name="TextBox 3">
+            <a:extLst>
+              <a:ext uri="{FF2B5EF4-FFF2-40B4-BE49-F238E27FC236}">
+                <a16:creationId xmlns:a16="http://schemas.microsoft.com/office/drawing/2014/main" id="{6677F2C0-5B99-4386-AC87-3187E7213849}"/>
+              </a:ext>
+            </a:extLst>
+          </p:cNvPr>
+          <p:cNvSpPr txBox="1"/>
+          <p:nvPr/>
+        </p:nvSpPr>
+        <p:spPr>
+          <a:xfrm>
+            <a:off x="7439487" y="4731798"/>
+            <a:ext cx="2831977" cy="646331"/>
+          </a:xfrm>
+          <a:prstGeom prst="rect">
+            <a:avLst/>
+          </a:prstGeom>
+          <a:noFill/>
+        </p:spPr>
+        <p:txBody>
+          <a:bodyPr wrap="square" rtlCol="0">
+            <a:spAutoFit/>
+          </a:bodyPr>
+          <a:lstStyle/>
+          <a:p>
+            <a:r>
+              <a:rPr lang="en-AU" dirty="0"/>
+              <a:t>Team member: </a:t>
+            </a:r>
+          </a:p>
+          <a:p>
+            <a:r>
+              <a:rPr lang="en-AU" dirty="0"/>
+              <a:t>Samra, Nga, Serena, Ishaan</a:t>
+            </a:r>
+          </a:p>
+        </p:txBody>
+      </p:sp>
     </p:spTree>
     <p:extLst>
       <p:ext uri="{BB962C8B-B14F-4D97-AF65-F5344CB8AC3E}">
@@ -3723,6 +3770,14 @@
 <file path=ppt/slides/slide10.xml><?xml version="1.0" encoding="utf-8"?>
 <p:sld xmlns:a="http://schemas.openxmlformats.org/drawingml/2006/main" xmlns:r="http://schemas.openxmlformats.org/officeDocument/2006/relationships" xmlns:p="http://schemas.openxmlformats.org/presentationml/2006/main">
   <p:cSld>
+    <p:bg>
+      <p:bgPr>
+        <a:solidFill>
+          <a:schemeClr val="tx1"/>
+        </a:solidFill>
+        <a:effectLst/>
+      </p:bgPr>
+    </p:bg>
     <p:spTree>
       <p:nvGrpSpPr>
         <p:cNvPr id="1" name=""/>
@@ -3739,6 +3794,420 @@
       </p:grpSpPr>
       <p:sp>
         <p:nvSpPr>
+          <p:cNvPr id="100" name="Freeform: Shape 99">
+            <a:extLst>
+              <a:ext uri="{FF2B5EF4-FFF2-40B4-BE49-F238E27FC236}">
+                <a16:creationId xmlns:a16="http://schemas.microsoft.com/office/drawing/2014/main" id="{8F23F8A3-8FD7-4779-8323-FDC26BE99889}"/>
+              </a:ext>
+              <a:ext uri="{C183D7F6-B498-43B3-948B-1728B52AA6E4}">
+                <adec:decorative xmlns:adec="http://schemas.microsoft.com/office/drawing/2017/decorative" val="1"/>
+              </a:ext>
+            </a:extLst>
+          </p:cNvPr>
+          <p:cNvSpPr>
+            <a:spLocks noGrp="1" noRot="1" noChangeAspect="1" noMove="1" noResize="1" noEditPoints="1" noAdjustHandles="1" noChangeArrowheads="1" noChangeShapeType="1" noTextEdit="1"/>
+          </p:cNvSpPr>
+          <p:nvPr>
+            <p:extLst>
+              <p:ext uri="{386F3935-93C4-4BCD-93E2-E3B085C9AB24}">
+                <p16:designElem xmlns:p16="http://schemas.microsoft.com/office/powerpoint/2015/main" val="1"/>
+              </p:ext>
+            </p:extLst>
+          </p:nvPr>
+        </p:nvSpPr>
+        <p:spPr>
+          <a:xfrm flipV="1">
+            <a:off x="0" y="-478"/>
+            <a:ext cx="7859800" cy="6858478"/>
+          </a:xfrm>
+          <a:custGeom>
+            <a:avLst/>
+            <a:gdLst>
+              <a:gd name="connsiteX0" fmla="*/ 7859800 w 7859800"/>
+              <a:gd name="connsiteY0" fmla="*/ 6858478 h 6858478"/>
+              <a:gd name="connsiteX1" fmla="*/ 435245 w 7859800"/>
+              <a:gd name="connsiteY1" fmla="*/ 6858478 h 6858478"/>
+              <a:gd name="connsiteX2" fmla="*/ 435505 w 7859800"/>
+              <a:gd name="connsiteY2" fmla="*/ 6857916 h 6858478"/>
+              <a:gd name="connsiteX3" fmla="*/ 0 w 7859800"/>
+              <a:gd name="connsiteY3" fmla="*/ 6857916 h 6858478"/>
+              <a:gd name="connsiteX4" fmla="*/ 0 w 7859800"/>
+              <a:gd name="connsiteY4" fmla="*/ 0 h 6858478"/>
+              <a:gd name="connsiteX5" fmla="*/ 3611620 w 7859800"/>
+              <a:gd name="connsiteY5" fmla="*/ 0 h 6858478"/>
+              <a:gd name="connsiteX6" fmla="*/ 4677848 w 7859800"/>
+              <a:gd name="connsiteY6" fmla="*/ 0 h 6858478"/>
+              <a:gd name="connsiteX7" fmla="*/ 4683425 w 7859800"/>
+              <a:gd name="connsiteY7" fmla="*/ 0 h 6858478"/>
+            </a:gdLst>
+            <a:ahLst/>
+            <a:cxnLst>
+              <a:cxn ang="0">
+                <a:pos x="connsiteX0" y="connsiteY0"/>
+              </a:cxn>
+              <a:cxn ang="0">
+                <a:pos x="connsiteX1" y="connsiteY1"/>
+              </a:cxn>
+              <a:cxn ang="0">
+                <a:pos x="connsiteX2" y="connsiteY2"/>
+              </a:cxn>
+              <a:cxn ang="0">
+                <a:pos x="connsiteX3" y="connsiteY3"/>
+              </a:cxn>
+              <a:cxn ang="0">
+                <a:pos x="connsiteX4" y="connsiteY4"/>
+              </a:cxn>
+              <a:cxn ang="0">
+                <a:pos x="connsiteX5" y="connsiteY5"/>
+              </a:cxn>
+              <a:cxn ang="0">
+                <a:pos x="connsiteX6" y="connsiteY6"/>
+              </a:cxn>
+              <a:cxn ang="0">
+                <a:pos x="connsiteX7" y="connsiteY7"/>
+              </a:cxn>
+            </a:cxnLst>
+            <a:rect l="l" t="t" r="r" b="b"/>
+            <a:pathLst>
+              <a:path w="7859800" h="6858478">
+                <a:moveTo>
+                  <a:pt x="7859800" y="6858478"/>
+                </a:moveTo>
+                <a:lnTo>
+                  <a:pt x="435245" y="6858478"/>
+                </a:lnTo>
+                <a:lnTo>
+                  <a:pt x="435505" y="6857916"/>
+                </a:lnTo>
+                <a:lnTo>
+                  <a:pt x="0" y="6857916"/>
+                </a:lnTo>
+                <a:lnTo>
+                  <a:pt x="0" y="0"/>
+                </a:lnTo>
+                <a:lnTo>
+                  <a:pt x="3611620" y="0"/>
+                </a:lnTo>
+                <a:lnTo>
+                  <a:pt x="4677848" y="0"/>
+                </a:lnTo>
+                <a:lnTo>
+                  <a:pt x="4683425" y="0"/>
+                </a:lnTo>
+                <a:close/>
+              </a:path>
+            </a:pathLst>
+          </a:custGeom>
+          <a:solidFill>
+            <a:schemeClr val="bg1">
+              <a:lumMod val="85000"/>
+              <a:lumOff val="15000"/>
+              <a:alpha val="70000"/>
+            </a:schemeClr>
+          </a:solidFill>
+          <a:ln>
+            <a:noFill/>
+          </a:ln>
+        </p:spPr>
+        <p:style>
+          <a:lnRef idx="2">
+            <a:schemeClr val="accent1">
+              <a:shade val="50000"/>
+            </a:schemeClr>
+          </a:lnRef>
+          <a:fillRef idx="1">
+            <a:schemeClr val="accent1"/>
+          </a:fillRef>
+          <a:effectRef idx="0">
+            <a:schemeClr val="accent1"/>
+          </a:effectRef>
+          <a:fontRef idx="minor">
+            <a:schemeClr val="lt1"/>
+          </a:fontRef>
+        </p:style>
+        <p:txBody>
+          <a:bodyPr wrap="square" rtlCol="0" anchor="ctr">
+            <a:noAutofit/>
+          </a:bodyPr>
+          <a:lstStyle/>
+          <a:p>
+            <a:pPr algn="ctr"/>
+            <a:endParaRPr lang="en-US"/>
+          </a:p>
+        </p:txBody>
+      </p:sp>
+      <p:sp>
+        <p:nvSpPr>
+          <p:cNvPr id="102" name="Freeform: Shape 101">
+            <a:extLst>
+              <a:ext uri="{FF2B5EF4-FFF2-40B4-BE49-F238E27FC236}">
+                <a16:creationId xmlns:a16="http://schemas.microsoft.com/office/drawing/2014/main" id="{F605C4CC-A25C-416F-8333-7CB7DC97D870}"/>
+              </a:ext>
+              <a:ext uri="{C183D7F6-B498-43B3-948B-1728B52AA6E4}">
+                <adec:decorative xmlns:adec="http://schemas.microsoft.com/office/drawing/2017/decorative" val="1"/>
+              </a:ext>
+            </a:extLst>
+          </p:cNvPr>
+          <p:cNvSpPr>
+            <a:spLocks noGrp="1" noRot="1" noChangeAspect="1" noMove="1" noResize="1" noEditPoints="1" noAdjustHandles="1" noChangeArrowheads="1" noChangeShapeType="1" noTextEdit="1"/>
+          </p:cNvSpPr>
+          <p:nvPr>
+            <p:extLst>
+              <p:ext uri="{386F3935-93C4-4BCD-93E2-E3B085C9AB24}">
+                <p16:designElem xmlns:p16="http://schemas.microsoft.com/office/powerpoint/2015/main" val="1"/>
+              </p:ext>
+            </p:extLst>
+          </p:nvPr>
+        </p:nvSpPr>
+        <p:spPr>
+          <a:xfrm flipV="1">
+            <a:off x="0" y="-478"/>
+            <a:ext cx="7431174" cy="6858478"/>
+          </a:xfrm>
+          <a:custGeom>
+            <a:avLst/>
+            <a:gdLst>
+              <a:gd name="connsiteX0" fmla="*/ 7431174 w 7431174"/>
+              <a:gd name="connsiteY0" fmla="*/ 6858478 h 6858478"/>
+              <a:gd name="connsiteX1" fmla="*/ 6619 w 7431174"/>
+              <a:gd name="connsiteY1" fmla="*/ 6858478 h 6858478"/>
+              <a:gd name="connsiteX2" fmla="*/ 6879 w 7431174"/>
+              <a:gd name="connsiteY2" fmla="*/ 6857916 h 6858478"/>
+              <a:gd name="connsiteX3" fmla="*/ 0 w 7431174"/>
+              <a:gd name="connsiteY3" fmla="*/ 6857916 h 6858478"/>
+              <a:gd name="connsiteX4" fmla="*/ 0 w 7431174"/>
+              <a:gd name="connsiteY4" fmla="*/ 0 h 6858478"/>
+              <a:gd name="connsiteX5" fmla="*/ 3182994 w 7431174"/>
+              <a:gd name="connsiteY5" fmla="*/ 0 h 6858478"/>
+              <a:gd name="connsiteX6" fmla="*/ 4249222 w 7431174"/>
+              <a:gd name="connsiteY6" fmla="*/ 0 h 6858478"/>
+              <a:gd name="connsiteX7" fmla="*/ 4254799 w 7431174"/>
+              <a:gd name="connsiteY7" fmla="*/ 0 h 6858478"/>
+            </a:gdLst>
+            <a:ahLst/>
+            <a:cxnLst>
+              <a:cxn ang="0">
+                <a:pos x="connsiteX0" y="connsiteY0"/>
+              </a:cxn>
+              <a:cxn ang="0">
+                <a:pos x="connsiteX1" y="connsiteY1"/>
+              </a:cxn>
+              <a:cxn ang="0">
+                <a:pos x="connsiteX2" y="connsiteY2"/>
+              </a:cxn>
+              <a:cxn ang="0">
+                <a:pos x="connsiteX3" y="connsiteY3"/>
+              </a:cxn>
+              <a:cxn ang="0">
+                <a:pos x="connsiteX4" y="connsiteY4"/>
+              </a:cxn>
+              <a:cxn ang="0">
+                <a:pos x="connsiteX5" y="connsiteY5"/>
+              </a:cxn>
+              <a:cxn ang="0">
+                <a:pos x="connsiteX6" y="connsiteY6"/>
+              </a:cxn>
+              <a:cxn ang="0">
+                <a:pos x="connsiteX7" y="connsiteY7"/>
+              </a:cxn>
+            </a:cxnLst>
+            <a:rect l="l" t="t" r="r" b="b"/>
+            <a:pathLst>
+              <a:path w="7431174" h="6858478">
+                <a:moveTo>
+                  <a:pt x="7431174" y="6858478"/>
+                </a:moveTo>
+                <a:lnTo>
+                  <a:pt x="6619" y="6858478"/>
+                </a:lnTo>
+                <a:lnTo>
+                  <a:pt x="6879" y="6857916"/>
+                </a:lnTo>
+                <a:lnTo>
+                  <a:pt x="0" y="6857916"/>
+                </a:lnTo>
+                <a:lnTo>
+                  <a:pt x="0" y="0"/>
+                </a:lnTo>
+                <a:lnTo>
+                  <a:pt x="3182994" y="0"/>
+                </a:lnTo>
+                <a:lnTo>
+                  <a:pt x="4249222" y="0"/>
+                </a:lnTo>
+                <a:lnTo>
+                  <a:pt x="4254799" y="0"/>
+                </a:lnTo>
+                <a:close/>
+              </a:path>
+            </a:pathLst>
+          </a:custGeom>
+          <a:solidFill>
+            <a:schemeClr val="bg1">
+              <a:lumMod val="85000"/>
+              <a:lumOff val="15000"/>
+            </a:schemeClr>
+          </a:solidFill>
+          <a:ln>
+            <a:noFill/>
+          </a:ln>
+        </p:spPr>
+        <p:style>
+          <a:lnRef idx="2">
+            <a:schemeClr val="accent1">
+              <a:shade val="50000"/>
+            </a:schemeClr>
+          </a:lnRef>
+          <a:fillRef idx="1">
+            <a:schemeClr val="accent1"/>
+          </a:fillRef>
+          <a:effectRef idx="0">
+            <a:schemeClr val="accent1"/>
+          </a:effectRef>
+          <a:fontRef idx="minor">
+            <a:schemeClr val="lt1"/>
+          </a:fontRef>
+        </p:style>
+        <p:txBody>
+          <a:bodyPr wrap="square" rtlCol="0" anchor="ctr">
+            <a:noAutofit/>
+          </a:bodyPr>
+          <a:lstStyle/>
+          <a:p>
+            <a:pPr algn="ctr"/>
+            <a:endParaRPr lang="en-US"/>
+          </a:p>
+        </p:txBody>
+      </p:sp>
+      <p:sp>
+        <p:nvSpPr>
+          <p:cNvPr id="106" name="Title 1">
+            <a:extLst>
+              <a:ext uri="{FF2B5EF4-FFF2-40B4-BE49-F238E27FC236}">
+                <a16:creationId xmlns:a16="http://schemas.microsoft.com/office/drawing/2014/main" id="{5C9AE957-7A86-B44E-8620-9DC0916C6EB8}"/>
+              </a:ext>
+            </a:extLst>
+          </p:cNvPr>
+          <p:cNvSpPr>
+            <a:spLocks noGrp="1"/>
+          </p:cNvSpPr>
+          <p:nvPr>
+            <p:ph type="title"/>
+          </p:nvPr>
+        </p:nvSpPr>
+        <p:spPr>
+          <a:xfrm>
+            <a:off x="161846" y="95889"/>
+            <a:ext cx="7107482" cy="1325563"/>
+          </a:xfrm>
+          <a:prstGeom prst="rect">
+            <a:avLst/>
+          </a:prstGeom>
+        </p:spPr>
+        <p:txBody>
+          <a:bodyPr vert="horz" lIns="91440" tIns="45720" rIns="91440" bIns="45720" rtlCol="0">
+            <a:normAutofit/>
+          </a:bodyPr>
+          <a:lstStyle/>
+          <a:p>
+            <a:r>
+              <a:rPr lang="en-AU" sz="4000" dirty="0">
+                <a:latin typeface="Britannic Bold" panose="020B0903060703020204" pitchFamily="34" charset="77"/>
+              </a:rPr>
+              <a:t>Diverged Stacked Bar Chart</a:t>
+            </a:r>
+            <a:endParaRPr lang="en-US" sz="4000" dirty="0">
+              <a:latin typeface="Britannic Bold" panose="020B0903060703020204" pitchFamily="34" charset="77"/>
+            </a:endParaRPr>
+          </a:p>
+        </p:txBody>
+      </p:sp>
+      <p:sp>
+        <p:nvSpPr>
+          <p:cNvPr id="20" name="Title 1">
+            <a:extLst>
+              <a:ext uri="{FF2B5EF4-FFF2-40B4-BE49-F238E27FC236}">
+                <a16:creationId xmlns:a16="http://schemas.microsoft.com/office/drawing/2014/main" id="{8DF4BAEA-A073-9446-AF66-86C811DAA0AF}"/>
+              </a:ext>
+            </a:extLst>
+          </p:cNvPr>
+          <p:cNvSpPr txBox="1">
+            <a:spLocks/>
+          </p:cNvSpPr>
+          <p:nvPr/>
+        </p:nvSpPr>
+        <p:spPr>
+          <a:xfrm>
+            <a:off x="245819" y="2517207"/>
+            <a:ext cx="6234303" cy="1973944"/>
+          </a:xfrm>
+          <a:prstGeom prst="rect">
+            <a:avLst/>
+          </a:prstGeom>
+        </p:spPr>
+        <p:txBody>
+          <a:bodyPr vert="horz" lIns="91440" tIns="45720" rIns="91440" bIns="45720" rtlCol="0" anchor="ctr">
+            <a:normAutofit/>
+          </a:bodyPr>
+          <a:lstStyle>
+            <a:lvl1pPr algn="l" defTabSz="914400" rtl="0" eaLnBrk="1" latinLnBrk="0" hangingPunct="1">
+              <a:lnSpc>
+                <a:spcPct val="90000"/>
+              </a:lnSpc>
+              <a:spcBef>
+                <a:spcPct val="0"/>
+              </a:spcBef>
+              <a:buNone/>
+              <a:defRPr sz="4400" kern="1200">
+                <a:solidFill>
+                  <a:schemeClr val="tx1"/>
+                </a:solidFill>
+                <a:latin typeface="+mj-lt"/>
+                <a:ea typeface="+mj-ea"/>
+                <a:cs typeface="+mj-cs"/>
+              </a:defRPr>
+            </a:lvl1pPr>
+          </a:lstStyle>
+          <a:p>
+            <a:endParaRPr lang="en-US" sz="2800" dirty="0">
+              <a:latin typeface="Al Nile" pitchFamily="2" charset="-78"/>
+              <a:cs typeface="Al Nile" pitchFamily="2" charset="-78"/>
+            </a:endParaRPr>
+          </a:p>
+        </p:txBody>
+      </p:sp>
+    </p:spTree>
+    <p:extLst>
+      <p:ext uri="{BB962C8B-B14F-4D97-AF65-F5344CB8AC3E}">
+        <p14:creationId xmlns:p14="http://schemas.microsoft.com/office/powerpoint/2010/main" val="3686280655"/>
+      </p:ext>
+    </p:extLst>
+  </p:cSld>
+  <p:clrMapOvr>
+    <a:overrideClrMapping bg1="dk1" tx1="lt1" bg2="dk2" tx2="lt2" accent1="accent1" accent2="accent2" accent3="accent3" accent4="accent4" accent5="accent5" accent6="accent6" hlink="hlink" folHlink="folHlink"/>
+  </p:clrMapOvr>
+</p:sld>
+</file>
+
+<file path=ppt/slides/slide11.xml><?xml version="1.0" encoding="utf-8"?>
+<p:sld xmlns:a="http://schemas.openxmlformats.org/drawingml/2006/main" xmlns:r="http://schemas.openxmlformats.org/officeDocument/2006/relationships" xmlns:p="http://schemas.openxmlformats.org/presentationml/2006/main">
+  <p:cSld>
+    <p:spTree>
+      <p:nvGrpSpPr>
+        <p:cNvPr id="1" name=""/>
+        <p:cNvGrpSpPr/>
+        <p:nvPr/>
+      </p:nvGrpSpPr>
+      <p:grpSpPr>
+        <a:xfrm>
+          <a:off x="0" y="0"/>
+          <a:ext cx="0" cy="0"/>
+          <a:chOff x="0" y="0"/>
+          <a:chExt cx="0" cy="0"/>
+        </a:xfrm>
+      </p:grpSpPr>
+      <p:sp>
+        <p:nvSpPr>
           <p:cNvPr id="4" name="TextBox 3">
             <a:extLst>
               <a:ext uri="{FF2B5EF4-FFF2-40B4-BE49-F238E27FC236}">
@@ -3785,7 +4254,7 @@
 </p:sld>
 </file>
 
-<file path=ppt/slides/slide11.xml><?xml version="1.0" encoding="utf-8"?>
+<file path=ppt/slides/slide12.xml><?xml version="1.0" encoding="utf-8"?>
 <p:sld xmlns:a="http://schemas.openxmlformats.org/drawingml/2006/main" xmlns:r="http://schemas.openxmlformats.org/officeDocument/2006/relationships" xmlns:p="http://schemas.openxmlformats.org/presentationml/2006/main">
   <p:cSld>
     <p:bg>
@@ -3873,6 +4342,239 @@
 <file path=ppt/slides/slide2.xml><?xml version="1.0" encoding="utf-8"?>
 <p:sld xmlns:a="http://schemas.openxmlformats.org/drawingml/2006/main" xmlns:r="http://schemas.openxmlformats.org/officeDocument/2006/relationships" xmlns:p="http://schemas.openxmlformats.org/presentationml/2006/main">
   <p:cSld>
+    <p:spTree>
+      <p:nvGrpSpPr>
+        <p:cNvPr id="1" name=""/>
+        <p:cNvGrpSpPr/>
+        <p:nvPr/>
+      </p:nvGrpSpPr>
+      <p:grpSpPr>
+        <a:xfrm>
+          <a:off x="0" y="0"/>
+          <a:ext cx="0" cy="0"/>
+          <a:chOff x="0" y="0"/>
+          <a:chExt cx="0" cy="0"/>
+        </a:xfrm>
+      </p:grpSpPr>
+      <p:sp>
+        <p:nvSpPr>
+          <p:cNvPr id="2" name="Title 1">
+            <a:extLst>
+              <a:ext uri="{FF2B5EF4-FFF2-40B4-BE49-F238E27FC236}">
+                <a16:creationId xmlns:a16="http://schemas.microsoft.com/office/drawing/2014/main" id="{E4528A02-9EDF-4535-B458-6FF7D154D2D8}"/>
+              </a:ext>
+            </a:extLst>
+          </p:cNvPr>
+          <p:cNvSpPr>
+            <a:spLocks noGrp="1"/>
+          </p:cNvSpPr>
+          <p:nvPr>
+            <p:ph type="title"/>
+          </p:nvPr>
+        </p:nvSpPr>
+        <p:spPr>
+          <a:xfrm>
+            <a:off x="838200" y="197225"/>
+            <a:ext cx="10515600" cy="878540"/>
+          </a:xfrm>
+        </p:spPr>
+        <p:txBody>
+          <a:bodyPr/>
+          <a:lstStyle/>
+          <a:p>
+            <a:pPr algn="ctr"/>
+            <a:r>
+              <a:rPr lang="en-AU" b="1" dirty="0"/>
+              <a:t>Agenda </a:t>
+            </a:r>
+            <a:endParaRPr lang="en-US" b="1" dirty="0"/>
+          </a:p>
+        </p:txBody>
+      </p:sp>
+      <p:sp>
+        <p:nvSpPr>
+          <p:cNvPr id="3" name="Content Placeholder 2">
+            <a:extLst>
+              <a:ext uri="{FF2B5EF4-FFF2-40B4-BE49-F238E27FC236}">
+                <a16:creationId xmlns:a16="http://schemas.microsoft.com/office/drawing/2014/main" id="{1D6C9121-1F37-427E-A2A0-60681B3FAB1C}"/>
+              </a:ext>
+            </a:extLst>
+          </p:cNvPr>
+          <p:cNvSpPr>
+            <a:spLocks noGrp="1"/>
+          </p:cNvSpPr>
+          <p:nvPr>
+            <p:ph idx="1"/>
+          </p:nvPr>
+        </p:nvSpPr>
+        <p:spPr>
+          <a:xfrm>
+            <a:off x="452718" y="1333206"/>
+            <a:ext cx="6826622" cy="4986911"/>
+          </a:xfrm>
+        </p:spPr>
+        <p:txBody>
+          <a:bodyPr>
+            <a:normAutofit/>
+          </a:bodyPr>
+          <a:lstStyle/>
+          <a:p>
+            <a:r>
+              <a:rPr lang="en-AU" sz="2400" b="1" dirty="0"/>
+              <a:t>Background of the project</a:t>
+            </a:r>
+          </a:p>
+          <a:p>
+            <a:r>
+              <a:rPr lang="en-AU" sz="2400" b="1" dirty="0"/>
+              <a:t>Data Munging Process: API-CSV-</a:t>
+            </a:r>
+            <a:r>
+              <a:rPr lang="en-AU" sz="2400" b="1" dirty="0" err="1"/>
+              <a:t>postgresql</a:t>
+            </a:r>
+            <a:r>
+              <a:rPr lang="en-AU" sz="2400" b="1" dirty="0"/>
+              <a:t> </a:t>
+            </a:r>
+          </a:p>
+          <a:p>
+            <a:r>
+              <a:rPr lang="en-AU" sz="2400" b="1" dirty="0"/>
+              <a:t>Coding Approach: </a:t>
+            </a:r>
+            <a:r>
+              <a:rPr lang="en-AU" sz="2400" b="1" dirty="0" err="1"/>
+              <a:t>Javascript</a:t>
+            </a:r>
+            <a:r>
+              <a:rPr lang="en-AU" sz="2400" b="1" dirty="0"/>
+              <a:t>, HTML, </a:t>
+            </a:r>
+            <a:r>
+              <a:rPr lang="en-AU" sz="2400" b="1" dirty="0" err="1"/>
+              <a:t>Anychart</a:t>
+            </a:r>
+            <a:r>
+              <a:rPr lang="en-AU" sz="2400" b="1" dirty="0"/>
+              <a:t> library, C3 library, Seaborn, Pandas. </a:t>
+            </a:r>
+          </a:p>
+          <a:p>
+            <a:r>
+              <a:rPr lang="en-AU" sz="2400" b="1" dirty="0"/>
+              <a:t>Data Visualisation: </a:t>
+            </a:r>
+          </a:p>
+          <a:p>
+            <a:pPr>
+              <a:buFont typeface="Wingdings" panose="05000000000000000000" pitchFamily="2" charset="2"/>
+              <a:buChar char="q"/>
+            </a:pPr>
+            <a:r>
+              <a:rPr lang="en-AU" sz="2400" b="1" dirty="0"/>
+              <a:t>Diverged Stack Bar : Overview of team performance</a:t>
+            </a:r>
+          </a:p>
+          <a:p>
+            <a:pPr>
+              <a:buFont typeface="Wingdings" panose="05000000000000000000" pitchFamily="2" charset="2"/>
+              <a:buChar char="q"/>
+            </a:pPr>
+            <a:r>
+              <a:rPr lang="en-AU" sz="2400" b="1" dirty="0"/>
+              <a:t>Choropleth Map :Historical score points by state</a:t>
+            </a:r>
+          </a:p>
+          <a:p>
+            <a:pPr>
+              <a:buFont typeface="Wingdings" panose="05000000000000000000" pitchFamily="2" charset="2"/>
+              <a:buChar char="q"/>
+            </a:pPr>
+            <a:r>
+              <a:rPr lang="en-AU" sz="2400" b="1" dirty="0"/>
+              <a:t>Seaborn Heatmap :Win Loss Rate between teams </a:t>
+            </a:r>
+          </a:p>
+          <a:p>
+            <a:pPr>
+              <a:buFont typeface="Wingdings" panose="05000000000000000000" pitchFamily="2" charset="2"/>
+              <a:buChar char="q"/>
+            </a:pPr>
+            <a:r>
+              <a:rPr lang="en-AU" sz="2400" b="1" dirty="0"/>
+              <a:t>Scattered: Comparison of detailed team performance</a:t>
+            </a:r>
+          </a:p>
+          <a:p>
+            <a:endParaRPr lang="en-AU" sz="2000" b="1" dirty="0"/>
+          </a:p>
+          <a:p>
+            <a:endParaRPr lang="en-AU" sz="2000" b="1" dirty="0"/>
+          </a:p>
+          <a:p>
+            <a:endParaRPr lang="en-AU" sz="2000" b="1" dirty="0"/>
+          </a:p>
+          <a:p>
+            <a:endParaRPr lang="en-AU" sz="2000" b="1" dirty="0"/>
+          </a:p>
+          <a:p>
+            <a:endParaRPr lang="en-AU" sz="2000" b="1" dirty="0"/>
+          </a:p>
+          <a:p>
+            <a:endParaRPr lang="en-AU" sz="2000" b="1" dirty="0"/>
+          </a:p>
+          <a:p>
+            <a:endParaRPr lang="en-US" sz="2000" b="1" dirty="0"/>
+          </a:p>
+        </p:txBody>
+      </p:sp>
+      <p:pic>
+        <p:nvPicPr>
+          <p:cNvPr id="9" name="Picture 8" descr="A crowd of people in a stadium&#10;&#10;Description automatically generated with medium confidence">
+            <a:extLst>
+              <a:ext uri="{FF2B5EF4-FFF2-40B4-BE49-F238E27FC236}">
+                <a16:creationId xmlns:a16="http://schemas.microsoft.com/office/drawing/2014/main" id="{C24EA875-BC4B-4E5C-9527-7AA0B1811D0E}"/>
+              </a:ext>
+            </a:extLst>
+          </p:cNvPr>
+          <p:cNvPicPr>
+            <a:picLocks noChangeAspect="1"/>
+          </p:cNvPicPr>
+          <p:nvPr/>
+        </p:nvPicPr>
+        <p:blipFill>
+          <a:blip r:embed="rId2"/>
+          <a:stretch>
+            <a:fillRect/>
+          </a:stretch>
+        </p:blipFill>
+        <p:spPr>
+          <a:xfrm>
+            <a:off x="7109013" y="1165412"/>
+            <a:ext cx="4903694" cy="5154705"/>
+          </a:xfrm>
+          <a:prstGeom prst="rect">
+            <a:avLst/>
+          </a:prstGeom>
+        </p:spPr>
+      </p:pic>
+    </p:spTree>
+    <p:extLst>
+      <p:ext uri="{BB962C8B-B14F-4D97-AF65-F5344CB8AC3E}">
+        <p14:creationId xmlns:p14="http://schemas.microsoft.com/office/powerpoint/2010/main" val="1368986857"/>
+      </p:ext>
+    </p:extLst>
+  </p:cSld>
+  <p:clrMapOvr>
+    <a:masterClrMapping/>
+  </p:clrMapOvr>
+</p:sld>
+</file>
+
+<file path=ppt/slides/slide3.xml><?xml version="1.0" encoding="utf-8"?>
+<p:sld xmlns:a="http://schemas.openxmlformats.org/drawingml/2006/main" xmlns:r="http://schemas.openxmlformats.org/officeDocument/2006/relationships" xmlns:p="http://schemas.openxmlformats.org/presentationml/2006/main">
+  <p:cSld>
     <p:bg>
       <p:bgPr>
         <a:solidFill>
@@ -4486,7 +5188,7 @@
 </p:sld>
 </file>
 
-<file path=ppt/slides/slide3.xml><?xml version="1.0" encoding="utf-8"?>
+<file path=ppt/slides/slide4.xml><?xml version="1.0" encoding="utf-8"?>
 <p:sld xmlns:a="http://schemas.openxmlformats.org/drawingml/2006/main" xmlns:r="http://schemas.openxmlformats.org/officeDocument/2006/relationships" xmlns:p="http://schemas.openxmlformats.org/presentationml/2006/main">
   <p:cSld>
     <p:bg>
@@ -5101,7 +5803,7 @@
 </p:sld>
 </file>
 
-<file path=ppt/slides/slide4.xml><?xml version="1.0" encoding="utf-8"?>
+<file path=ppt/slides/slide5.xml><?xml version="1.0" encoding="utf-8"?>
 <p:sld xmlns:a="http://schemas.openxmlformats.org/drawingml/2006/main" xmlns:r="http://schemas.openxmlformats.org/officeDocument/2006/relationships" xmlns:p="http://schemas.openxmlformats.org/presentationml/2006/main">
   <p:cSld>
     <p:bg>
@@ -5703,7 +6405,7 @@
 </p:sld>
 </file>
 
-<file path=ppt/slides/slide5.xml><?xml version="1.0" encoding="utf-8"?>
+<file path=ppt/slides/slide6.xml><?xml version="1.0" encoding="utf-8"?>
 <p:sld xmlns:a="http://schemas.openxmlformats.org/drawingml/2006/main" xmlns:r="http://schemas.openxmlformats.org/officeDocument/2006/relationships" xmlns:p="http://schemas.openxmlformats.org/presentationml/2006/main">
   <p:cSld>
     <p:bg>
@@ -6279,7 +6981,489 @@
 </p:sld>
 </file>
 
-<file path=ppt/slides/slide6.xml><?xml version="1.0" encoding="utf-8"?>
+<file path=ppt/slides/slide7.xml><?xml version="1.0" encoding="utf-8"?>
+<p:sld xmlns:a="http://schemas.openxmlformats.org/drawingml/2006/main" xmlns:r="http://schemas.openxmlformats.org/officeDocument/2006/relationships" xmlns:p="http://schemas.openxmlformats.org/presentationml/2006/main">
+  <p:cSld>
+    <p:bg>
+      <p:bgPr>
+        <a:solidFill>
+          <a:schemeClr val="tx1"/>
+        </a:solidFill>
+        <a:effectLst/>
+      </p:bgPr>
+    </p:bg>
+    <p:spTree>
+      <p:nvGrpSpPr>
+        <p:cNvPr id="1" name=""/>
+        <p:cNvGrpSpPr/>
+        <p:nvPr/>
+      </p:nvGrpSpPr>
+      <p:grpSpPr>
+        <a:xfrm>
+          <a:off x="0" y="0"/>
+          <a:ext cx="0" cy="0"/>
+          <a:chOff x="0" y="0"/>
+          <a:chExt cx="0" cy="0"/>
+        </a:xfrm>
+      </p:grpSpPr>
+      <p:sp>
+        <p:nvSpPr>
+          <p:cNvPr id="100" name="Freeform: Shape 99">
+            <a:extLst>
+              <a:ext uri="{FF2B5EF4-FFF2-40B4-BE49-F238E27FC236}">
+                <a16:creationId xmlns:a16="http://schemas.microsoft.com/office/drawing/2014/main" id="{8F23F8A3-8FD7-4779-8323-FDC26BE99889}"/>
+              </a:ext>
+              <a:ext uri="{C183D7F6-B498-43B3-948B-1728B52AA6E4}">
+                <adec:decorative xmlns:adec="http://schemas.microsoft.com/office/drawing/2017/decorative" val="1"/>
+              </a:ext>
+            </a:extLst>
+          </p:cNvPr>
+          <p:cNvSpPr>
+            <a:spLocks noGrp="1" noRot="1" noChangeAspect="1" noMove="1" noResize="1" noEditPoints="1" noAdjustHandles="1" noChangeArrowheads="1" noChangeShapeType="1" noTextEdit="1"/>
+          </p:cNvSpPr>
+          <p:nvPr>
+            <p:extLst>
+              <p:ext uri="{386F3935-93C4-4BCD-93E2-E3B085C9AB24}">
+                <p16:designElem xmlns:p16="http://schemas.microsoft.com/office/powerpoint/2015/main" val="1"/>
+              </p:ext>
+            </p:extLst>
+          </p:nvPr>
+        </p:nvSpPr>
+        <p:spPr>
+          <a:xfrm flipV="1">
+            <a:off x="0" y="-478"/>
+            <a:ext cx="7859800" cy="6858478"/>
+          </a:xfrm>
+          <a:custGeom>
+            <a:avLst/>
+            <a:gdLst>
+              <a:gd name="connsiteX0" fmla="*/ 7859800 w 7859800"/>
+              <a:gd name="connsiteY0" fmla="*/ 6858478 h 6858478"/>
+              <a:gd name="connsiteX1" fmla="*/ 435245 w 7859800"/>
+              <a:gd name="connsiteY1" fmla="*/ 6858478 h 6858478"/>
+              <a:gd name="connsiteX2" fmla="*/ 435505 w 7859800"/>
+              <a:gd name="connsiteY2" fmla="*/ 6857916 h 6858478"/>
+              <a:gd name="connsiteX3" fmla="*/ 0 w 7859800"/>
+              <a:gd name="connsiteY3" fmla="*/ 6857916 h 6858478"/>
+              <a:gd name="connsiteX4" fmla="*/ 0 w 7859800"/>
+              <a:gd name="connsiteY4" fmla="*/ 0 h 6858478"/>
+              <a:gd name="connsiteX5" fmla="*/ 3611620 w 7859800"/>
+              <a:gd name="connsiteY5" fmla="*/ 0 h 6858478"/>
+              <a:gd name="connsiteX6" fmla="*/ 4677848 w 7859800"/>
+              <a:gd name="connsiteY6" fmla="*/ 0 h 6858478"/>
+              <a:gd name="connsiteX7" fmla="*/ 4683425 w 7859800"/>
+              <a:gd name="connsiteY7" fmla="*/ 0 h 6858478"/>
+            </a:gdLst>
+            <a:ahLst/>
+            <a:cxnLst>
+              <a:cxn ang="0">
+                <a:pos x="connsiteX0" y="connsiteY0"/>
+              </a:cxn>
+              <a:cxn ang="0">
+                <a:pos x="connsiteX1" y="connsiteY1"/>
+              </a:cxn>
+              <a:cxn ang="0">
+                <a:pos x="connsiteX2" y="connsiteY2"/>
+              </a:cxn>
+              <a:cxn ang="0">
+                <a:pos x="connsiteX3" y="connsiteY3"/>
+              </a:cxn>
+              <a:cxn ang="0">
+                <a:pos x="connsiteX4" y="connsiteY4"/>
+              </a:cxn>
+              <a:cxn ang="0">
+                <a:pos x="connsiteX5" y="connsiteY5"/>
+              </a:cxn>
+              <a:cxn ang="0">
+                <a:pos x="connsiteX6" y="connsiteY6"/>
+              </a:cxn>
+              <a:cxn ang="0">
+                <a:pos x="connsiteX7" y="connsiteY7"/>
+              </a:cxn>
+            </a:cxnLst>
+            <a:rect l="l" t="t" r="r" b="b"/>
+            <a:pathLst>
+              <a:path w="7859800" h="6858478">
+                <a:moveTo>
+                  <a:pt x="7859800" y="6858478"/>
+                </a:moveTo>
+                <a:lnTo>
+                  <a:pt x="435245" y="6858478"/>
+                </a:lnTo>
+                <a:lnTo>
+                  <a:pt x="435505" y="6857916"/>
+                </a:lnTo>
+                <a:lnTo>
+                  <a:pt x="0" y="6857916"/>
+                </a:lnTo>
+                <a:lnTo>
+                  <a:pt x="0" y="0"/>
+                </a:lnTo>
+                <a:lnTo>
+                  <a:pt x="3611620" y="0"/>
+                </a:lnTo>
+                <a:lnTo>
+                  <a:pt x="4677848" y="0"/>
+                </a:lnTo>
+                <a:lnTo>
+                  <a:pt x="4683425" y="0"/>
+                </a:lnTo>
+                <a:close/>
+              </a:path>
+            </a:pathLst>
+          </a:custGeom>
+          <a:solidFill>
+            <a:schemeClr val="bg1">
+              <a:lumMod val="85000"/>
+              <a:lumOff val="15000"/>
+              <a:alpha val="70000"/>
+            </a:schemeClr>
+          </a:solidFill>
+          <a:ln>
+            <a:noFill/>
+          </a:ln>
+        </p:spPr>
+        <p:style>
+          <a:lnRef idx="2">
+            <a:schemeClr val="accent1">
+              <a:shade val="50000"/>
+            </a:schemeClr>
+          </a:lnRef>
+          <a:fillRef idx="1">
+            <a:schemeClr val="accent1"/>
+          </a:fillRef>
+          <a:effectRef idx="0">
+            <a:schemeClr val="accent1"/>
+          </a:effectRef>
+          <a:fontRef idx="minor">
+            <a:schemeClr val="lt1"/>
+          </a:fontRef>
+        </p:style>
+        <p:txBody>
+          <a:bodyPr wrap="square" rtlCol="0" anchor="ctr">
+            <a:noAutofit/>
+          </a:bodyPr>
+          <a:lstStyle/>
+          <a:p>
+            <a:pPr algn="ctr"/>
+            <a:endParaRPr lang="en-US"/>
+          </a:p>
+        </p:txBody>
+      </p:sp>
+      <p:sp>
+        <p:nvSpPr>
+          <p:cNvPr id="102" name="Freeform: Shape 101">
+            <a:extLst>
+              <a:ext uri="{FF2B5EF4-FFF2-40B4-BE49-F238E27FC236}">
+                <a16:creationId xmlns:a16="http://schemas.microsoft.com/office/drawing/2014/main" id="{F605C4CC-A25C-416F-8333-7CB7DC97D870}"/>
+              </a:ext>
+              <a:ext uri="{C183D7F6-B498-43B3-948B-1728B52AA6E4}">
+                <adec:decorative xmlns:adec="http://schemas.microsoft.com/office/drawing/2017/decorative" val="1"/>
+              </a:ext>
+            </a:extLst>
+          </p:cNvPr>
+          <p:cNvSpPr>
+            <a:spLocks noGrp="1" noRot="1" noChangeAspect="1" noMove="1" noResize="1" noEditPoints="1" noAdjustHandles="1" noChangeArrowheads="1" noChangeShapeType="1" noTextEdit="1"/>
+          </p:cNvSpPr>
+          <p:nvPr>
+            <p:extLst>
+              <p:ext uri="{386F3935-93C4-4BCD-93E2-E3B085C9AB24}">
+                <p16:designElem xmlns:p16="http://schemas.microsoft.com/office/powerpoint/2015/main" val="1"/>
+              </p:ext>
+            </p:extLst>
+          </p:nvPr>
+        </p:nvSpPr>
+        <p:spPr>
+          <a:xfrm flipV="1">
+            <a:off x="0" y="-478"/>
+            <a:ext cx="7431174" cy="6858478"/>
+          </a:xfrm>
+          <a:custGeom>
+            <a:avLst/>
+            <a:gdLst>
+              <a:gd name="connsiteX0" fmla="*/ 7431174 w 7431174"/>
+              <a:gd name="connsiteY0" fmla="*/ 6858478 h 6858478"/>
+              <a:gd name="connsiteX1" fmla="*/ 6619 w 7431174"/>
+              <a:gd name="connsiteY1" fmla="*/ 6858478 h 6858478"/>
+              <a:gd name="connsiteX2" fmla="*/ 6879 w 7431174"/>
+              <a:gd name="connsiteY2" fmla="*/ 6857916 h 6858478"/>
+              <a:gd name="connsiteX3" fmla="*/ 0 w 7431174"/>
+              <a:gd name="connsiteY3" fmla="*/ 6857916 h 6858478"/>
+              <a:gd name="connsiteX4" fmla="*/ 0 w 7431174"/>
+              <a:gd name="connsiteY4" fmla="*/ 0 h 6858478"/>
+              <a:gd name="connsiteX5" fmla="*/ 3182994 w 7431174"/>
+              <a:gd name="connsiteY5" fmla="*/ 0 h 6858478"/>
+              <a:gd name="connsiteX6" fmla="*/ 4249222 w 7431174"/>
+              <a:gd name="connsiteY6" fmla="*/ 0 h 6858478"/>
+              <a:gd name="connsiteX7" fmla="*/ 4254799 w 7431174"/>
+              <a:gd name="connsiteY7" fmla="*/ 0 h 6858478"/>
+            </a:gdLst>
+            <a:ahLst/>
+            <a:cxnLst>
+              <a:cxn ang="0">
+                <a:pos x="connsiteX0" y="connsiteY0"/>
+              </a:cxn>
+              <a:cxn ang="0">
+                <a:pos x="connsiteX1" y="connsiteY1"/>
+              </a:cxn>
+              <a:cxn ang="0">
+                <a:pos x="connsiteX2" y="connsiteY2"/>
+              </a:cxn>
+              <a:cxn ang="0">
+                <a:pos x="connsiteX3" y="connsiteY3"/>
+              </a:cxn>
+              <a:cxn ang="0">
+                <a:pos x="connsiteX4" y="connsiteY4"/>
+              </a:cxn>
+              <a:cxn ang="0">
+                <a:pos x="connsiteX5" y="connsiteY5"/>
+              </a:cxn>
+              <a:cxn ang="0">
+                <a:pos x="connsiteX6" y="connsiteY6"/>
+              </a:cxn>
+              <a:cxn ang="0">
+                <a:pos x="connsiteX7" y="connsiteY7"/>
+              </a:cxn>
+            </a:cxnLst>
+            <a:rect l="l" t="t" r="r" b="b"/>
+            <a:pathLst>
+              <a:path w="7431174" h="6858478">
+                <a:moveTo>
+                  <a:pt x="7431174" y="6858478"/>
+                </a:moveTo>
+                <a:lnTo>
+                  <a:pt x="6619" y="6858478"/>
+                </a:lnTo>
+                <a:lnTo>
+                  <a:pt x="6879" y="6857916"/>
+                </a:lnTo>
+                <a:lnTo>
+                  <a:pt x="0" y="6857916"/>
+                </a:lnTo>
+                <a:lnTo>
+                  <a:pt x="0" y="0"/>
+                </a:lnTo>
+                <a:lnTo>
+                  <a:pt x="3182994" y="0"/>
+                </a:lnTo>
+                <a:lnTo>
+                  <a:pt x="4249222" y="0"/>
+                </a:lnTo>
+                <a:lnTo>
+                  <a:pt x="4254799" y="0"/>
+                </a:lnTo>
+                <a:close/>
+              </a:path>
+            </a:pathLst>
+          </a:custGeom>
+          <a:solidFill>
+            <a:schemeClr val="bg1">
+              <a:lumMod val="85000"/>
+              <a:lumOff val="15000"/>
+            </a:schemeClr>
+          </a:solidFill>
+          <a:ln>
+            <a:noFill/>
+          </a:ln>
+        </p:spPr>
+        <p:style>
+          <a:lnRef idx="2">
+            <a:schemeClr val="accent1">
+              <a:shade val="50000"/>
+            </a:schemeClr>
+          </a:lnRef>
+          <a:fillRef idx="1">
+            <a:schemeClr val="accent1"/>
+          </a:fillRef>
+          <a:effectRef idx="0">
+            <a:schemeClr val="accent1"/>
+          </a:effectRef>
+          <a:fontRef idx="minor">
+            <a:schemeClr val="lt1"/>
+          </a:fontRef>
+        </p:style>
+        <p:txBody>
+          <a:bodyPr wrap="square" rtlCol="0" anchor="ctr">
+            <a:noAutofit/>
+          </a:bodyPr>
+          <a:lstStyle/>
+          <a:p>
+            <a:pPr algn="ctr"/>
+            <a:endParaRPr lang="en-US"/>
+          </a:p>
+        </p:txBody>
+      </p:sp>
+      <p:sp>
+        <p:nvSpPr>
+          <p:cNvPr id="106" name="Title 1">
+            <a:extLst>
+              <a:ext uri="{FF2B5EF4-FFF2-40B4-BE49-F238E27FC236}">
+                <a16:creationId xmlns:a16="http://schemas.microsoft.com/office/drawing/2014/main" id="{5C9AE957-7A86-B44E-8620-9DC0916C6EB8}"/>
+              </a:ext>
+            </a:extLst>
+          </p:cNvPr>
+          <p:cNvSpPr>
+            <a:spLocks noGrp="1"/>
+          </p:cNvSpPr>
+          <p:nvPr>
+            <p:ph type="title"/>
+          </p:nvPr>
+        </p:nvSpPr>
+        <p:spPr>
+          <a:xfrm>
+            <a:off x="141043" y="150358"/>
+            <a:ext cx="6234303" cy="1325563"/>
+          </a:xfrm>
+          <a:prstGeom prst="rect">
+            <a:avLst/>
+          </a:prstGeom>
+        </p:spPr>
+        <p:txBody>
+          <a:bodyPr vert="horz" lIns="91440" tIns="45720" rIns="91440" bIns="45720" rtlCol="0">
+            <a:normAutofit/>
+          </a:bodyPr>
+          <a:lstStyle/>
+          <a:p>
+            <a:r>
+              <a:rPr lang="en-AU" dirty="0">
+                <a:latin typeface="Britannic Bold" panose="020B0903060703020204" pitchFamily="34" charset="77"/>
+              </a:rPr>
+              <a:t>Heatmap - Ishaan</a:t>
+            </a:r>
+            <a:endParaRPr lang="en-US" dirty="0">
+              <a:latin typeface="Britannic Bold" panose="020B0903060703020204" pitchFamily="34" charset="77"/>
+            </a:endParaRPr>
+          </a:p>
+        </p:txBody>
+      </p:sp>
+      <p:sp>
+        <p:nvSpPr>
+          <p:cNvPr id="10" name="Title 1">
+            <a:extLst>
+              <a:ext uri="{FF2B5EF4-FFF2-40B4-BE49-F238E27FC236}">
+                <a16:creationId xmlns:a16="http://schemas.microsoft.com/office/drawing/2014/main" id="{382F5E4E-6594-E84E-8F0B-05D540BE2235}"/>
+              </a:ext>
+            </a:extLst>
+          </p:cNvPr>
+          <p:cNvSpPr txBox="1">
+            <a:spLocks/>
+          </p:cNvSpPr>
+          <p:nvPr/>
+        </p:nvSpPr>
+        <p:spPr>
+          <a:xfrm>
+            <a:off x="141043" y="1421691"/>
+            <a:ext cx="6107357" cy="2190555"/>
+          </a:xfrm>
+          <a:prstGeom prst="rect">
+            <a:avLst/>
+          </a:prstGeom>
+        </p:spPr>
+        <p:txBody>
+          <a:bodyPr vert="horz" lIns="91440" tIns="45720" rIns="91440" bIns="45720" rtlCol="0" anchor="ctr">
+            <a:normAutofit/>
+          </a:bodyPr>
+          <a:lstStyle>
+            <a:lvl1pPr algn="l" defTabSz="914400" rtl="0" eaLnBrk="1" latinLnBrk="0" hangingPunct="1">
+              <a:lnSpc>
+                <a:spcPct val="90000"/>
+              </a:lnSpc>
+              <a:spcBef>
+                <a:spcPct val="0"/>
+              </a:spcBef>
+              <a:buNone/>
+              <a:defRPr sz="4400" kern="1200">
+                <a:solidFill>
+                  <a:schemeClr val="tx1"/>
+                </a:solidFill>
+                <a:latin typeface="+mj-lt"/>
+                <a:ea typeface="+mj-ea"/>
+                <a:cs typeface="+mj-cs"/>
+              </a:defRPr>
+            </a:lvl1pPr>
+          </a:lstStyle>
+          <a:p>
+            <a:endParaRPr lang="en-AU" sz="2800">
+              <a:latin typeface="Al Nile" pitchFamily="2" charset="-78"/>
+              <a:cs typeface="Al Nile" pitchFamily="2" charset="-78"/>
+            </a:endParaRPr>
+          </a:p>
+          <a:p>
+            <a:endParaRPr lang="en-US" sz="2800" dirty="0">
+              <a:latin typeface="Al Nile" pitchFamily="2" charset="-78"/>
+              <a:cs typeface="Al Nile" pitchFamily="2" charset="-78"/>
+            </a:endParaRPr>
+          </a:p>
+        </p:txBody>
+      </p:sp>
+      <p:sp>
+        <p:nvSpPr>
+          <p:cNvPr id="20" name="Title 1">
+            <a:extLst>
+              <a:ext uri="{FF2B5EF4-FFF2-40B4-BE49-F238E27FC236}">
+                <a16:creationId xmlns:a16="http://schemas.microsoft.com/office/drawing/2014/main" id="{8DF4BAEA-A073-9446-AF66-86C811DAA0AF}"/>
+              </a:ext>
+            </a:extLst>
+          </p:cNvPr>
+          <p:cNvSpPr txBox="1">
+            <a:spLocks/>
+          </p:cNvSpPr>
+          <p:nvPr/>
+        </p:nvSpPr>
+        <p:spPr>
+          <a:xfrm>
+            <a:off x="245819" y="2517207"/>
+            <a:ext cx="6234303" cy="1973944"/>
+          </a:xfrm>
+          <a:prstGeom prst="rect">
+            <a:avLst/>
+          </a:prstGeom>
+        </p:spPr>
+        <p:txBody>
+          <a:bodyPr vert="horz" lIns="91440" tIns="45720" rIns="91440" bIns="45720" rtlCol="0" anchor="ctr">
+            <a:normAutofit/>
+          </a:bodyPr>
+          <a:lstStyle>
+            <a:lvl1pPr algn="l" defTabSz="914400" rtl="0" eaLnBrk="1" latinLnBrk="0" hangingPunct="1">
+              <a:lnSpc>
+                <a:spcPct val="90000"/>
+              </a:lnSpc>
+              <a:spcBef>
+                <a:spcPct val="0"/>
+              </a:spcBef>
+              <a:buNone/>
+              <a:defRPr sz="4400" kern="1200">
+                <a:solidFill>
+                  <a:schemeClr val="tx1"/>
+                </a:solidFill>
+                <a:latin typeface="+mj-lt"/>
+                <a:ea typeface="+mj-ea"/>
+                <a:cs typeface="+mj-cs"/>
+              </a:defRPr>
+            </a:lvl1pPr>
+          </a:lstStyle>
+          <a:p>
+            <a:endParaRPr lang="en-US" sz="2800" dirty="0">
+              <a:latin typeface="Al Nile" pitchFamily="2" charset="-78"/>
+              <a:cs typeface="Al Nile" pitchFamily="2" charset="-78"/>
+            </a:endParaRPr>
+          </a:p>
+        </p:txBody>
+      </p:sp>
+    </p:spTree>
+    <p:extLst>
+      <p:ext uri="{BB962C8B-B14F-4D97-AF65-F5344CB8AC3E}">
+        <p14:creationId xmlns:p14="http://schemas.microsoft.com/office/powerpoint/2010/main" val="4255679247"/>
+      </p:ext>
+    </p:extLst>
+  </p:cSld>
+  <p:clrMapOvr>
+    <a:overrideClrMapping bg1="dk1" tx1="lt1" bg2="dk2" tx2="lt2" accent1="accent1" accent2="accent2" accent3="accent3" accent4="accent4" accent5="accent5" accent6="accent6" hlink="hlink" folHlink="folHlink"/>
+  </p:clrMapOvr>
+</p:sld>
+</file>
+
+<file path=ppt/slides/slide8.xml><?xml version="1.0" encoding="utf-8"?>
 <p:sld xmlns:a="http://schemas.openxmlformats.org/drawingml/2006/main" xmlns:r="http://schemas.openxmlformats.org/officeDocument/2006/relationships" xmlns:p="http://schemas.openxmlformats.org/presentationml/2006/main">
   <p:cSld>
     <p:bg>
@@ -6584,7 +7768,7 @@
 </p:sld>
 </file>
 
-<file path=ppt/slides/slide7.xml><?xml version="1.0" encoding="utf-8"?>
+<file path=ppt/slides/slide9.xml><?xml version="1.0" encoding="utf-8"?>
 <p:sld xmlns:a="http://schemas.openxmlformats.org/drawingml/2006/main" xmlns:r="http://schemas.openxmlformats.org/officeDocument/2006/relationships" xmlns:p="http://schemas.openxmlformats.org/presentationml/2006/main">
   <p:cSld>
     <p:bg>
@@ -6931,7 +8115,7 @@
               <a:rPr lang="en-AU" dirty="0">
                 <a:latin typeface="Britannic Bold" panose="020B0903060703020204" pitchFamily="34" charset="77"/>
               </a:rPr>
-              <a:t>Heatmap - Ishaan</a:t>
+              <a:t>Scatter Plot</a:t>
             </a:r>
             <a:endParaRPr lang="en-US" dirty="0">
               <a:latin typeface="Britannic Bold" panose="020B0903060703020204" pitchFamily="34" charset="77"/>
@@ -6986,7 +8170,7 @@
             </a:lvl1pPr>
           </a:lstStyle>
           <a:p>
-            <a:endParaRPr lang="en-AU" sz="2800">
+            <a:endParaRPr lang="en-AU" sz="2800" dirty="0">
               <a:latin typeface="Al Nile" pitchFamily="2" charset="-78"/>
               <a:cs typeface="Al Nile" pitchFamily="2" charset="-78"/>
             </a:endParaRPr>
@@ -7056,911 +8240,7 @@
     </p:spTree>
     <p:extLst>
       <p:ext uri="{BB962C8B-B14F-4D97-AF65-F5344CB8AC3E}">
-        <p14:creationId xmlns:p14="http://schemas.microsoft.com/office/powerpoint/2010/main" val="4255679247"/>
-      </p:ext>
-    </p:extLst>
-  </p:cSld>
-  <p:clrMapOvr>
-    <a:overrideClrMapping bg1="dk1" tx1="lt1" bg2="dk2" tx2="lt2" accent1="accent1" accent2="accent2" accent3="accent3" accent4="accent4" accent5="accent5" accent6="accent6" hlink="hlink" folHlink="folHlink"/>
-  </p:clrMapOvr>
-</p:sld>
-</file>
-
-<file path=ppt/slides/slide8.xml><?xml version="1.0" encoding="utf-8"?>
-<p:sld xmlns:a="http://schemas.openxmlformats.org/drawingml/2006/main" xmlns:r="http://schemas.openxmlformats.org/officeDocument/2006/relationships" xmlns:p="http://schemas.openxmlformats.org/presentationml/2006/main">
-  <p:cSld>
-    <p:bg>
-      <p:bgPr>
-        <a:solidFill>
-          <a:schemeClr val="tx1"/>
-        </a:solidFill>
-        <a:effectLst/>
-      </p:bgPr>
-    </p:bg>
-    <p:spTree>
-      <p:nvGrpSpPr>
-        <p:cNvPr id="1" name=""/>
-        <p:cNvGrpSpPr/>
-        <p:nvPr/>
-      </p:nvGrpSpPr>
-      <p:grpSpPr>
-        <a:xfrm>
-          <a:off x="0" y="0"/>
-          <a:ext cx="0" cy="0"/>
-          <a:chOff x="0" y="0"/>
-          <a:chExt cx="0" cy="0"/>
-        </a:xfrm>
-      </p:grpSpPr>
-      <p:sp>
-        <p:nvSpPr>
-          <p:cNvPr id="100" name="Freeform: Shape 99">
-            <a:extLst>
-              <a:ext uri="{FF2B5EF4-FFF2-40B4-BE49-F238E27FC236}">
-                <a16:creationId xmlns:a16="http://schemas.microsoft.com/office/drawing/2014/main" id="{8F23F8A3-8FD7-4779-8323-FDC26BE99889}"/>
-              </a:ext>
-              <a:ext uri="{C183D7F6-B498-43B3-948B-1728B52AA6E4}">
-                <adec:decorative xmlns:adec="http://schemas.microsoft.com/office/drawing/2017/decorative" val="1"/>
-              </a:ext>
-            </a:extLst>
-          </p:cNvPr>
-          <p:cNvSpPr>
-            <a:spLocks noGrp="1" noRot="1" noChangeAspect="1" noMove="1" noResize="1" noEditPoints="1" noAdjustHandles="1" noChangeArrowheads="1" noChangeShapeType="1" noTextEdit="1"/>
-          </p:cNvSpPr>
-          <p:nvPr>
-            <p:extLst>
-              <p:ext uri="{386F3935-93C4-4BCD-93E2-E3B085C9AB24}">
-                <p16:designElem xmlns:p16="http://schemas.microsoft.com/office/powerpoint/2015/main" val="1"/>
-              </p:ext>
-            </p:extLst>
-          </p:nvPr>
-        </p:nvSpPr>
-        <p:spPr>
-          <a:xfrm flipV="1">
-            <a:off x="0" y="-478"/>
-            <a:ext cx="7859800" cy="6858478"/>
-          </a:xfrm>
-          <a:custGeom>
-            <a:avLst/>
-            <a:gdLst>
-              <a:gd name="connsiteX0" fmla="*/ 7859800 w 7859800"/>
-              <a:gd name="connsiteY0" fmla="*/ 6858478 h 6858478"/>
-              <a:gd name="connsiteX1" fmla="*/ 435245 w 7859800"/>
-              <a:gd name="connsiteY1" fmla="*/ 6858478 h 6858478"/>
-              <a:gd name="connsiteX2" fmla="*/ 435505 w 7859800"/>
-              <a:gd name="connsiteY2" fmla="*/ 6857916 h 6858478"/>
-              <a:gd name="connsiteX3" fmla="*/ 0 w 7859800"/>
-              <a:gd name="connsiteY3" fmla="*/ 6857916 h 6858478"/>
-              <a:gd name="connsiteX4" fmla="*/ 0 w 7859800"/>
-              <a:gd name="connsiteY4" fmla="*/ 0 h 6858478"/>
-              <a:gd name="connsiteX5" fmla="*/ 3611620 w 7859800"/>
-              <a:gd name="connsiteY5" fmla="*/ 0 h 6858478"/>
-              <a:gd name="connsiteX6" fmla="*/ 4677848 w 7859800"/>
-              <a:gd name="connsiteY6" fmla="*/ 0 h 6858478"/>
-              <a:gd name="connsiteX7" fmla="*/ 4683425 w 7859800"/>
-              <a:gd name="connsiteY7" fmla="*/ 0 h 6858478"/>
-            </a:gdLst>
-            <a:ahLst/>
-            <a:cxnLst>
-              <a:cxn ang="0">
-                <a:pos x="connsiteX0" y="connsiteY0"/>
-              </a:cxn>
-              <a:cxn ang="0">
-                <a:pos x="connsiteX1" y="connsiteY1"/>
-              </a:cxn>
-              <a:cxn ang="0">
-                <a:pos x="connsiteX2" y="connsiteY2"/>
-              </a:cxn>
-              <a:cxn ang="0">
-                <a:pos x="connsiteX3" y="connsiteY3"/>
-              </a:cxn>
-              <a:cxn ang="0">
-                <a:pos x="connsiteX4" y="connsiteY4"/>
-              </a:cxn>
-              <a:cxn ang="0">
-                <a:pos x="connsiteX5" y="connsiteY5"/>
-              </a:cxn>
-              <a:cxn ang="0">
-                <a:pos x="connsiteX6" y="connsiteY6"/>
-              </a:cxn>
-              <a:cxn ang="0">
-                <a:pos x="connsiteX7" y="connsiteY7"/>
-              </a:cxn>
-            </a:cxnLst>
-            <a:rect l="l" t="t" r="r" b="b"/>
-            <a:pathLst>
-              <a:path w="7859800" h="6858478">
-                <a:moveTo>
-                  <a:pt x="7859800" y="6858478"/>
-                </a:moveTo>
-                <a:lnTo>
-                  <a:pt x="435245" y="6858478"/>
-                </a:lnTo>
-                <a:lnTo>
-                  <a:pt x="435505" y="6857916"/>
-                </a:lnTo>
-                <a:lnTo>
-                  <a:pt x="0" y="6857916"/>
-                </a:lnTo>
-                <a:lnTo>
-                  <a:pt x="0" y="0"/>
-                </a:lnTo>
-                <a:lnTo>
-                  <a:pt x="3611620" y="0"/>
-                </a:lnTo>
-                <a:lnTo>
-                  <a:pt x="4677848" y="0"/>
-                </a:lnTo>
-                <a:lnTo>
-                  <a:pt x="4683425" y="0"/>
-                </a:lnTo>
-                <a:close/>
-              </a:path>
-            </a:pathLst>
-          </a:custGeom>
-          <a:solidFill>
-            <a:schemeClr val="bg1">
-              <a:lumMod val="85000"/>
-              <a:lumOff val="15000"/>
-              <a:alpha val="70000"/>
-            </a:schemeClr>
-          </a:solidFill>
-          <a:ln>
-            <a:noFill/>
-          </a:ln>
-        </p:spPr>
-        <p:style>
-          <a:lnRef idx="2">
-            <a:schemeClr val="accent1">
-              <a:shade val="50000"/>
-            </a:schemeClr>
-          </a:lnRef>
-          <a:fillRef idx="1">
-            <a:schemeClr val="accent1"/>
-          </a:fillRef>
-          <a:effectRef idx="0">
-            <a:schemeClr val="accent1"/>
-          </a:effectRef>
-          <a:fontRef idx="minor">
-            <a:schemeClr val="lt1"/>
-          </a:fontRef>
-        </p:style>
-        <p:txBody>
-          <a:bodyPr wrap="square" rtlCol="0" anchor="ctr">
-            <a:noAutofit/>
-          </a:bodyPr>
-          <a:lstStyle/>
-          <a:p>
-            <a:pPr algn="ctr"/>
-            <a:endParaRPr lang="en-US"/>
-          </a:p>
-        </p:txBody>
-      </p:sp>
-      <p:sp>
-        <p:nvSpPr>
-          <p:cNvPr id="102" name="Freeform: Shape 101">
-            <a:extLst>
-              <a:ext uri="{FF2B5EF4-FFF2-40B4-BE49-F238E27FC236}">
-                <a16:creationId xmlns:a16="http://schemas.microsoft.com/office/drawing/2014/main" id="{F605C4CC-A25C-416F-8333-7CB7DC97D870}"/>
-              </a:ext>
-              <a:ext uri="{C183D7F6-B498-43B3-948B-1728B52AA6E4}">
-                <adec:decorative xmlns:adec="http://schemas.microsoft.com/office/drawing/2017/decorative" val="1"/>
-              </a:ext>
-            </a:extLst>
-          </p:cNvPr>
-          <p:cNvSpPr>
-            <a:spLocks noGrp="1" noRot="1" noChangeAspect="1" noMove="1" noResize="1" noEditPoints="1" noAdjustHandles="1" noChangeArrowheads="1" noChangeShapeType="1" noTextEdit="1"/>
-          </p:cNvSpPr>
-          <p:nvPr>
-            <p:extLst>
-              <p:ext uri="{386F3935-93C4-4BCD-93E2-E3B085C9AB24}">
-                <p16:designElem xmlns:p16="http://schemas.microsoft.com/office/powerpoint/2015/main" val="1"/>
-              </p:ext>
-            </p:extLst>
-          </p:nvPr>
-        </p:nvSpPr>
-        <p:spPr>
-          <a:xfrm flipV="1">
-            <a:off x="0" y="-478"/>
-            <a:ext cx="7431174" cy="6858478"/>
-          </a:xfrm>
-          <a:custGeom>
-            <a:avLst/>
-            <a:gdLst>
-              <a:gd name="connsiteX0" fmla="*/ 7431174 w 7431174"/>
-              <a:gd name="connsiteY0" fmla="*/ 6858478 h 6858478"/>
-              <a:gd name="connsiteX1" fmla="*/ 6619 w 7431174"/>
-              <a:gd name="connsiteY1" fmla="*/ 6858478 h 6858478"/>
-              <a:gd name="connsiteX2" fmla="*/ 6879 w 7431174"/>
-              <a:gd name="connsiteY2" fmla="*/ 6857916 h 6858478"/>
-              <a:gd name="connsiteX3" fmla="*/ 0 w 7431174"/>
-              <a:gd name="connsiteY3" fmla="*/ 6857916 h 6858478"/>
-              <a:gd name="connsiteX4" fmla="*/ 0 w 7431174"/>
-              <a:gd name="connsiteY4" fmla="*/ 0 h 6858478"/>
-              <a:gd name="connsiteX5" fmla="*/ 3182994 w 7431174"/>
-              <a:gd name="connsiteY5" fmla="*/ 0 h 6858478"/>
-              <a:gd name="connsiteX6" fmla="*/ 4249222 w 7431174"/>
-              <a:gd name="connsiteY6" fmla="*/ 0 h 6858478"/>
-              <a:gd name="connsiteX7" fmla="*/ 4254799 w 7431174"/>
-              <a:gd name="connsiteY7" fmla="*/ 0 h 6858478"/>
-            </a:gdLst>
-            <a:ahLst/>
-            <a:cxnLst>
-              <a:cxn ang="0">
-                <a:pos x="connsiteX0" y="connsiteY0"/>
-              </a:cxn>
-              <a:cxn ang="0">
-                <a:pos x="connsiteX1" y="connsiteY1"/>
-              </a:cxn>
-              <a:cxn ang="0">
-                <a:pos x="connsiteX2" y="connsiteY2"/>
-              </a:cxn>
-              <a:cxn ang="0">
-                <a:pos x="connsiteX3" y="connsiteY3"/>
-              </a:cxn>
-              <a:cxn ang="0">
-                <a:pos x="connsiteX4" y="connsiteY4"/>
-              </a:cxn>
-              <a:cxn ang="0">
-                <a:pos x="connsiteX5" y="connsiteY5"/>
-              </a:cxn>
-              <a:cxn ang="0">
-                <a:pos x="connsiteX6" y="connsiteY6"/>
-              </a:cxn>
-              <a:cxn ang="0">
-                <a:pos x="connsiteX7" y="connsiteY7"/>
-              </a:cxn>
-            </a:cxnLst>
-            <a:rect l="l" t="t" r="r" b="b"/>
-            <a:pathLst>
-              <a:path w="7431174" h="6858478">
-                <a:moveTo>
-                  <a:pt x="7431174" y="6858478"/>
-                </a:moveTo>
-                <a:lnTo>
-                  <a:pt x="6619" y="6858478"/>
-                </a:lnTo>
-                <a:lnTo>
-                  <a:pt x="6879" y="6857916"/>
-                </a:lnTo>
-                <a:lnTo>
-                  <a:pt x="0" y="6857916"/>
-                </a:lnTo>
-                <a:lnTo>
-                  <a:pt x="0" y="0"/>
-                </a:lnTo>
-                <a:lnTo>
-                  <a:pt x="3182994" y="0"/>
-                </a:lnTo>
-                <a:lnTo>
-                  <a:pt x="4249222" y="0"/>
-                </a:lnTo>
-                <a:lnTo>
-                  <a:pt x="4254799" y="0"/>
-                </a:lnTo>
-                <a:close/>
-              </a:path>
-            </a:pathLst>
-          </a:custGeom>
-          <a:solidFill>
-            <a:schemeClr val="bg1">
-              <a:lumMod val="85000"/>
-              <a:lumOff val="15000"/>
-            </a:schemeClr>
-          </a:solidFill>
-          <a:ln>
-            <a:noFill/>
-          </a:ln>
-        </p:spPr>
-        <p:style>
-          <a:lnRef idx="2">
-            <a:schemeClr val="accent1">
-              <a:shade val="50000"/>
-            </a:schemeClr>
-          </a:lnRef>
-          <a:fillRef idx="1">
-            <a:schemeClr val="accent1"/>
-          </a:fillRef>
-          <a:effectRef idx="0">
-            <a:schemeClr val="accent1"/>
-          </a:effectRef>
-          <a:fontRef idx="minor">
-            <a:schemeClr val="lt1"/>
-          </a:fontRef>
-        </p:style>
-        <p:txBody>
-          <a:bodyPr wrap="square" rtlCol="0" anchor="ctr">
-            <a:noAutofit/>
-          </a:bodyPr>
-          <a:lstStyle/>
-          <a:p>
-            <a:pPr algn="ctr"/>
-            <a:endParaRPr lang="en-US"/>
-          </a:p>
-        </p:txBody>
-      </p:sp>
-      <p:sp>
-        <p:nvSpPr>
-          <p:cNvPr id="106" name="Title 1">
-            <a:extLst>
-              <a:ext uri="{FF2B5EF4-FFF2-40B4-BE49-F238E27FC236}">
-                <a16:creationId xmlns:a16="http://schemas.microsoft.com/office/drawing/2014/main" id="{5C9AE957-7A86-B44E-8620-9DC0916C6EB8}"/>
-              </a:ext>
-            </a:extLst>
-          </p:cNvPr>
-          <p:cNvSpPr>
-            <a:spLocks noGrp="1"/>
-          </p:cNvSpPr>
-          <p:nvPr>
-            <p:ph type="title"/>
-          </p:nvPr>
-        </p:nvSpPr>
-        <p:spPr>
-          <a:xfrm>
-            <a:off x="141043" y="150358"/>
-            <a:ext cx="6234303" cy="1325563"/>
-          </a:xfrm>
-          <a:prstGeom prst="rect">
-            <a:avLst/>
-          </a:prstGeom>
-        </p:spPr>
-        <p:txBody>
-          <a:bodyPr vert="horz" lIns="91440" tIns="45720" rIns="91440" bIns="45720" rtlCol="0">
-            <a:normAutofit/>
-          </a:bodyPr>
-          <a:lstStyle/>
-          <a:p>
-            <a:r>
-              <a:rPr lang="en-AU" dirty="0">
-                <a:latin typeface="Britannic Bold" panose="020B0903060703020204" pitchFamily="34" charset="77"/>
-              </a:rPr>
-              <a:t>Scatter Plot</a:t>
-            </a:r>
-            <a:endParaRPr lang="en-US" dirty="0">
-              <a:latin typeface="Britannic Bold" panose="020B0903060703020204" pitchFamily="34" charset="77"/>
-            </a:endParaRPr>
-          </a:p>
-        </p:txBody>
-      </p:sp>
-      <p:sp>
-        <p:nvSpPr>
-          <p:cNvPr id="10" name="Title 1">
-            <a:extLst>
-              <a:ext uri="{FF2B5EF4-FFF2-40B4-BE49-F238E27FC236}">
-                <a16:creationId xmlns:a16="http://schemas.microsoft.com/office/drawing/2014/main" id="{382F5E4E-6594-E84E-8F0B-05D540BE2235}"/>
-              </a:ext>
-            </a:extLst>
-          </p:cNvPr>
-          <p:cNvSpPr txBox="1">
-            <a:spLocks/>
-          </p:cNvSpPr>
-          <p:nvPr/>
-        </p:nvSpPr>
-        <p:spPr>
-          <a:xfrm>
-            <a:off x="141043" y="1421691"/>
-            <a:ext cx="6107357" cy="2190555"/>
-          </a:xfrm>
-          <a:prstGeom prst="rect">
-            <a:avLst/>
-          </a:prstGeom>
-        </p:spPr>
-        <p:txBody>
-          <a:bodyPr vert="horz" lIns="91440" tIns="45720" rIns="91440" bIns="45720" rtlCol="0" anchor="ctr">
-            <a:normAutofit/>
-          </a:bodyPr>
-          <a:lstStyle>
-            <a:lvl1pPr algn="l" defTabSz="914400" rtl="0" eaLnBrk="1" latinLnBrk="0" hangingPunct="1">
-              <a:lnSpc>
-                <a:spcPct val="90000"/>
-              </a:lnSpc>
-              <a:spcBef>
-                <a:spcPct val="0"/>
-              </a:spcBef>
-              <a:buNone/>
-              <a:defRPr sz="4400" kern="1200">
-                <a:solidFill>
-                  <a:schemeClr val="tx1"/>
-                </a:solidFill>
-                <a:latin typeface="+mj-lt"/>
-                <a:ea typeface="+mj-ea"/>
-                <a:cs typeface="+mj-cs"/>
-              </a:defRPr>
-            </a:lvl1pPr>
-          </a:lstStyle>
-          <a:p>
-            <a:endParaRPr lang="en-AU" sz="2800" dirty="0">
-              <a:latin typeface="Al Nile" pitchFamily="2" charset="-78"/>
-              <a:cs typeface="Al Nile" pitchFamily="2" charset="-78"/>
-            </a:endParaRPr>
-          </a:p>
-          <a:p>
-            <a:endParaRPr lang="en-US" sz="2800" dirty="0">
-              <a:latin typeface="Al Nile" pitchFamily="2" charset="-78"/>
-              <a:cs typeface="Al Nile" pitchFamily="2" charset="-78"/>
-            </a:endParaRPr>
-          </a:p>
-        </p:txBody>
-      </p:sp>
-      <p:sp>
-        <p:nvSpPr>
-          <p:cNvPr id="20" name="Title 1">
-            <a:extLst>
-              <a:ext uri="{FF2B5EF4-FFF2-40B4-BE49-F238E27FC236}">
-                <a16:creationId xmlns:a16="http://schemas.microsoft.com/office/drawing/2014/main" id="{8DF4BAEA-A073-9446-AF66-86C811DAA0AF}"/>
-              </a:ext>
-            </a:extLst>
-          </p:cNvPr>
-          <p:cNvSpPr txBox="1">
-            <a:spLocks/>
-          </p:cNvSpPr>
-          <p:nvPr/>
-        </p:nvSpPr>
-        <p:spPr>
-          <a:xfrm>
-            <a:off x="245819" y="2517207"/>
-            <a:ext cx="6234303" cy="1973944"/>
-          </a:xfrm>
-          <a:prstGeom prst="rect">
-            <a:avLst/>
-          </a:prstGeom>
-        </p:spPr>
-        <p:txBody>
-          <a:bodyPr vert="horz" lIns="91440" tIns="45720" rIns="91440" bIns="45720" rtlCol="0" anchor="ctr">
-            <a:normAutofit/>
-          </a:bodyPr>
-          <a:lstStyle>
-            <a:lvl1pPr algn="l" defTabSz="914400" rtl="0" eaLnBrk="1" latinLnBrk="0" hangingPunct="1">
-              <a:lnSpc>
-                <a:spcPct val="90000"/>
-              </a:lnSpc>
-              <a:spcBef>
-                <a:spcPct val="0"/>
-              </a:spcBef>
-              <a:buNone/>
-              <a:defRPr sz="4400" kern="1200">
-                <a:solidFill>
-                  <a:schemeClr val="tx1"/>
-                </a:solidFill>
-                <a:latin typeface="+mj-lt"/>
-                <a:ea typeface="+mj-ea"/>
-                <a:cs typeface="+mj-cs"/>
-              </a:defRPr>
-            </a:lvl1pPr>
-          </a:lstStyle>
-          <a:p>
-            <a:endParaRPr lang="en-US" sz="2800" dirty="0">
-              <a:latin typeface="Al Nile" pitchFamily="2" charset="-78"/>
-              <a:cs typeface="Al Nile" pitchFamily="2" charset="-78"/>
-            </a:endParaRPr>
-          </a:p>
-        </p:txBody>
-      </p:sp>
-    </p:spTree>
-    <p:extLst>
-      <p:ext uri="{BB962C8B-B14F-4D97-AF65-F5344CB8AC3E}">
         <p14:creationId xmlns:p14="http://schemas.microsoft.com/office/powerpoint/2010/main" val="1308145431"/>
-      </p:ext>
-    </p:extLst>
-  </p:cSld>
-  <p:clrMapOvr>
-    <a:overrideClrMapping bg1="dk1" tx1="lt1" bg2="dk2" tx2="lt2" accent1="accent1" accent2="accent2" accent3="accent3" accent4="accent4" accent5="accent5" accent6="accent6" hlink="hlink" folHlink="folHlink"/>
-  </p:clrMapOvr>
-</p:sld>
-</file>
-
-<file path=ppt/slides/slide9.xml><?xml version="1.0" encoding="utf-8"?>
-<p:sld xmlns:a="http://schemas.openxmlformats.org/drawingml/2006/main" xmlns:r="http://schemas.openxmlformats.org/officeDocument/2006/relationships" xmlns:p="http://schemas.openxmlformats.org/presentationml/2006/main">
-  <p:cSld>
-    <p:bg>
-      <p:bgPr>
-        <a:solidFill>
-          <a:schemeClr val="tx1"/>
-        </a:solidFill>
-        <a:effectLst/>
-      </p:bgPr>
-    </p:bg>
-    <p:spTree>
-      <p:nvGrpSpPr>
-        <p:cNvPr id="1" name=""/>
-        <p:cNvGrpSpPr/>
-        <p:nvPr/>
-      </p:nvGrpSpPr>
-      <p:grpSpPr>
-        <a:xfrm>
-          <a:off x="0" y="0"/>
-          <a:ext cx="0" cy="0"/>
-          <a:chOff x="0" y="0"/>
-          <a:chExt cx="0" cy="0"/>
-        </a:xfrm>
-      </p:grpSpPr>
-      <p:sp>
-        <p:nvSpPr>
-          <p:cNvPr id="100" name="Freeform: Shape 99">
-            <a:extLst>
-              <a:ext uri="{FF2B5EF4-FFF2-40B4-BE49-F238E27FC236}">
-                <a16:creationId xmlns:a16="http://schemas.microsoft.com/office/drawing/2014/main" id="{8F23F8A3-8FD7-4779-8323-FDC26BE99889}"/>
-              </a:ext>
-              <a:ext uri="{C183D7F6-B498-43B3-948B-1728B52AA6E4}">
-                <adec:decorative xmlns:adec="http://schemas.microsoft.com/office/drawing/2017/decorative" val="1"/>
-              </a:ext>
-            </a:extLst>
-          </p:cNvPr>
-          <p:cNvSpPr>
-            <a:spLocks noGrp="1" noRot="1" noChangeAspect="1" noMove="1" noResize="1" noEditPoints="1" noAdjustHandles="1" noChangeArrowheads="1" noChangeShapeType="1" noTextEdit="1"/>
-          </p:cNvSpPr>
-          <p:nvPr>
-            <p:extLst>
-              <p:ext uri="{386F3935-93C4-4BCD-93E2-E3B085C9AB24}">
-                <p16:designElem xmlns:p16="http://schemas.microsoft.com/office/powerpoint/2015/main" val="1"/>
-              </p:ext>
-            </p:extLst>
-          </p:nvPr>
-        </p:nvSpPr>
-        <p:spPr>
-          <a:xfrm flipV="1">
-            <a:off x="0" y="-478"/>
-            <a:ext cx="7859800" cy="6858478"/>
-          </a:xfrm>
-          <a:custGeom>
-            <a:avLst/>
-            <a:gdLst>
-              <a:gd name="connsiteX0" fmla="*/ 7859800 w 7859800"/>
-              <a:gd name="connsiteY0" fmla="*/ 6858478 h 6858478"/>
-              <a:gd name="connsiteX1" fmla="*/ 435245 w 7859800"/>
-              <a:gd name="connsiteY1" fmla="*/ 6858478 h 6858478"/>
-              <a:gd name="connsiteX2" fmla="*/ 435505 w 7859800"/>
-              <a:gd name="connsiteY2" fmla="*/ 6857916 h 6858478"/>
-              <a:gd name="connsiteX3" fmla="*/ 0 w 7859800"/>
-              <a:gd name="connsiteY3" fmla="*/ 6857916 h 6858478"/>
-              <a:gd name="connsiteX4" fmla="*/ 0 w 7859800"/>
-              <a:gd name="connsiteY4" fmla="*/ 0 h 6858478"/>
-              <a:gd name="connsiteX5" fmla="*/ 3611620 w 7859800"/>
-              <a:gd name="connsiteY5" fmla="*/ 0 h 6858478"/>
-              <a:gd name="connsiteX6" fmla="*/ 4677848 w 7859800"/>
-              <a:gd name="connsiteY6" fmla="*/ 0 h 6858478"/>
-              <a:gd name="connsiteX7" fmla="*/ 4683425 w 7859800"/>
-              <a:gd name="connsiteY7" fmla="*/ 0 h 6858478"/>
-            </a:gdLst>
-            <a:ahLst/>
-            <a:cxnLst>
-              <a:cxn ang="0">
-                <a:pos x="connsiteX0" y="connsiteY0"/>
-              </a:cxn>
-              <a:cxn ang="0">
-                <a:pos x="connsiteX1" y="connsiteY1"/>
-              </a:cxn>
-              <a:cxn ang="0">
-                <a:pos x="connsiteX2" y="connsiteY2"/>
-              </a:cxn>
-              <a:cxn ang="0">
-                <a:pos x="connsiteX3" y="connsiteY3"/>
-              </a:cxn>
-              <a:cxn ang="0">
-                <a:pos x="connsiteX4" y="connsiteY4"/>
-              </a:cxn>
-              <a:cxn ang="0">
-                <a:pos x="connsiteX5" y="connsiteY5"/>
-              </a:cxn>
-              <a:cxn ang="0">
-                <a:pos x="connsiteX6" y="connsiteY6"/>
-              </a:cxn>
-              <a:cxn ang="0">
-                <a:pos x="connsiteX7" y="connsiteY7"/>
-              </a:cxn>
-            </a:cxnLst>
-            <a:rect l="l" t="t" r="r" b="b"/>
-            <a:pathLst>
-              <a:path w="7859800" h="6858478">
-                <a:moveTo>
-                  <a:pt x="7859800" y="6858478"/>
-                </a:moveTo>
-                <a:lnTo>
-                  <a:pt x="435245" y="6858478"/>
-                </a:lnTo>
-                <a:lnTo>
-                  <a:pt x="435505" y="6857916"/>
-                </a:lnTo>
-                <a:lnTo>
-                  <a:pt x="0" y="6857916"/>
-                </a:lnTo>
-                <a:lnTo>
-                  <a:pt x="0" y="0"/>
-                </a:lnTo>
-                <a:lnTo>
-                  <a:pt x="3611620" y="0"/>
-                </a:lnTo>
-                <a:lnTo>
-                  <a:pt x="4677848" y="0"/>
-                </a:lnTo>
-                <a:lnTo>
-                  <a:pt x="4683425" y="0"/>
-                </a:lnTo>
-                <a:close/>
-              </a:path>
-            </a:pathLst>
-          </a:custGeom>
-          <a:solidFill>
-            <a:schemeClr val="bg1">
-              <a:lumMod val="85000"/>
-              <a:lumOff val="15000"/>
-              <a:alpha val="70000"/>
-            </a:schemeClr>
-          </a:solidFill>
-          <a:ln>
-            <a:noFill/>
-          </a:ln>
-        </p:spPr>
-        <p:style>
-          <a:lnRef idx="2">
-            <a:schemeClr val="accent1">
-              <a:shade val="50000"/>
-            </a:schemeClr>
-          </a:lnRef>
-          <a:fillRef idx="1">
-            <a:schemeClr val="accent1"/>
-          </a:fillRef>
-          <a:effectRef idx="0">
-            <a:schemeClr val="accent1"/>
-          </a:effectRef>
-          <a:fontRef idx="minor">
-            <a:schemeClr val="lt1"/>
-          </a:fontRef>
-        </p:style>
-        <p:txBody>
-          <a:bodyPr wrap="square" rtlCol="0" anchor="ctr">
-            <a:noAutofit/>
-          </a:bodyPr>
-          <a:lstStyle/>
-          <a:p>
-            <a:pPr algn="ctr"/>
-            <a:endParaRPr lang="en-US"/>
-          </a:p>
-        </p:txBody>
-      </p:sp>
-      <p:sp>
-        <p:nvSpPr>
-          <p:cNvPr id="102" name="Freeform: Shape 101">
-            <a:extLst>
-              <a:ext uri="{FF2B5EF4-FFF2-40B4-BE49-F238E27FC236}">
-                <a16:creationId xmlns:a16="http://schemas.microsoft.com/office/drawing/2014/main" id="{F605C4CC-A25C-416F-8333-7CB7DC97D870}"/>
-              </a:ext>
-              <a:ext uri="{C183D7F6-B498-43B3-948B-1728B52AA6E4}">
-                <adec:decorative xmlns:adec="http://schemas.microsoft.com/office/drawing/2017/decorative" val="1"/>
-              </a:ext>
-            </a:extLst>
-          </p:cNvPr>
-          <p:cNvSpPr>
-            <a:spLocks noGrp="1" noRot="1" noChangeAspect="1" noMove="1" noResize="1" noEditPoints="1" noAdjustHandles="1" noChangeArrowheads="1" noChangeShapeType="1" noTextEdit="1"/>
-          </p:cNvSpPr>
-          <p:nvPr>
-            <p:extLst>
-              <p:ext uri="{386F3935-93C4-4BCD-93E2-E3B085C9AB24}">
-                <p16:designElem xmlns:p16="http://schemas.microsoft.com/office/powerpoint/2015/main" val="1"/>
-              </p:ext>
-            </p:extLst>
-          </p:nvPr>
-        </p:nvSpPr>
-        <p:spPr>
-          <a:xfrm flipV="1">
-            <a:off x="0" y="-478"/>
-            <a:ext cx="7431174" cy="6858478"/>
-          </a:xfrm>
-          <a:custGeom>
-            <a:avLst/>
-            <a:gdLst>
-              <a:gd name="connsiteX0" fmla="*/ 7431174 w 7431174"/>
-              <a:gd name="connsiteY0" fmla="*/ 6858478 h 6858478"/>
-              <a:gd name="connsiteX1" fmla="*/ 6619 w 7431174"/>
-              <a:gd name="connsiteY1" fmla="*/ 6858478 h 6858478"/>
-              <a:gd name="connsiteX2" fmla="*/ 6879 w 7431174"/>
-              <a:gd name="connsiteY2" fmla="*/ 6857916 h 6858478"/>
-              <a:gd name="connsiteX3" fmla="*/ 0 w 7431174"/>
-              <a:gd name="connsiteY3" fmla="*/ 6857916 h 6858478"/>
-              <a:gd name="connsiteX4" fmla="*/ 0 w 7431174"/>
-              <a:gd name="connsiteY4" fmla="*/ 0 h 6858478"/>
-              <a:gd name="connsiteX5" fmla="*/ 3182994 w 7431174"/>
-              <a:gd name="connsiteY5" fmla="*/ 0 h 6858478"/>
-              <a:gd name="connsiteX6" fmla="*/ 4249222 w 7431174"/>
-              <a:gd name="connsiteY6" fmla="*/ 0 h 6858478"/>
-              <a:gd name="connsiteX7" fmla="*/ 4254799 w 7431174"/>
-              <a:gd name="connsiteY7" fmla="*/ 0 h 6858478"/>
-            </a:gdLst>
-            <a:ahLst/>
-            <a:cxnLst>
-              <a:cxn ang="0">
-                <a:pos x="connsiteX0" y="connsiteY0"/>
-              </a:cxn>
-              <a:cxn ang="0">
-                <a:pos x="connsiteX1" y="connsiteY1"/>
-              </a:cxn>
-              <a:cxn ang="0">
-                <a:pos x="connsiteX2" y="connsiteY2"/>
-              </a:cxn>
-              <a:cxn ang="0">
-                <a:pos x="connsiteX3" y="connsiteY3"/>
-              </a:cxn>
-              <a:cxn ang="0">
-                <a:pos x="connsiteX4" y="connsiteY4"/>
-              </a:cxn>
-              <a:cxn ang="0">
-                <a:pos x="connsiteX5" y="connsiteY5"/>
-              </a:cxn>
-              <a:cxn ang="0">
-                <a:pos x="connsiteX6" y="connsiteY6"/>
-              </a:cxn>
-              <a:cxn ang="0">
-                <a:pos x="connsiteX7" y="connsiteY7"/>
-              </a:cxn>
-            </a:cxnLst>
-            <a:rect l="l" t="t" r="r" b="b"/>
-            <a:pathLst>
-              <a:path w="7431174" h="6858478">
-                <a:moveTo>
-                  <a:pt x="7431174" y="6858478"/>
-                </a:moveTo>
-                <a:lnTo>
-                  <a:pt x="6619" y="6858478"/>
-                </a:lnTo>
-                <a:lnTo>
-                  <a:pt x="6879" y="6857916"/>
-                </a:lnTo>
-                <a:lnTo>
-                  <a:pt x="0" y="6857916"/>
-                </a:lnTo>
-                <a:lnTo>
-                  <a:pt x="0" y="0"/>
-                </a:lnTo>
-                <a:lnTo>
-                  <a:pt x="3182994" y="0"/>
-                </a:lnTo>
-                <a:lnTo>
-                  <a:pt x="4249222" y="0"/>
-                </a:lnTo>
-                <a:lnTo>
-                  <a:pt x="4254799" y="0"/>
-                </a:lnTo>
-                <a:close/>
-              </a:path>
-            </a:pathLst>
-          </a:custGeom>
-          <a:solidFill>
-            <a:schemeClr val="bg1">
-              <a:lumMod val="85000"/>
-              <a:lumOff val="15000"/>
-            </a:schemeClr>
-          </a:solidFill>
-          <a:ln>
-            <a:noFill/>
-          </a:ln>
-        </p:spPr>
-        <p:style>
-          <a:lnRef idx="2">
-            <a:schemeClr val="accent1">
-              <a:shade val="50000"/>
-            </a:schemeClr>
-          </a:lnRef>
-          <a:fillRef idx="1">
-            <a:schemeClr val="accent1"/>
-          </a:fillRef>
-          <a:effectRef idx="0">
-            <a:schemeClr val="accent1"/>
-          </a:effectRef>
-          <a:fontRef idx="minor">
-            <a:schemeClr val="lt1"/>
-          </a:fontRef>
-        </p:style>
-        <p:txBody>
-          <a:bodyPr wrap="square" rtlCol="0" anchor="ctr">
-            <a:noAutofit/>
-          </a:bodyPr>
-          <a:lstStyle/>
-          <a:p>
-            <a:pPr algn="ctr"/>
-            <a:endParaRPr lang="en-US"/>
-          </a:p>
-        </p:txBody>
-      </p:sp>
-      <p:sp>
-        <p:nvSpPr>
-          <p:cNvPr id="106" name="Title 1">
-            <a:extLst>
-              <a:ext uri="{FF2B5EF4-FFF2-40B4-BE49-F238E27FC236}">
-                <a16:creationId xmlns:a16="http://schemas.microsoft.com/office/drawing/2014/main" id="{5C9AE957-7A86-B44E-8620-9DC0916C6EB8}"/>
-              </a:ext>
-            </a:extLst>
-          </p:cNvPr>
-          <p:cNvSpPr>
-            <a:spLocks noGrp="1"/>
-          </p:cNvSpPr>
-          <p:nvPr>
-            <p:ph type="title"/>
-          </p:nvPr>
-        </p:nvSpPr>
-        <p:spPr>
-          <a:xfrm>
-            <a:off x="161846" y="95889"/>
-            <a:ext cx="7107482" cy="1325563"/>
-          </a:xfrm>
-          <a:prstGeom prst="rect">
-            <a:avLst/>
-          </a:prstGeom>
-        </p:spPr>
-        <p:txBody>
-          <a:bodyPr vert="horz" lIns="91440" tIns="45720" rIns="91440" bIns="45720" rtlCol="0">
-            <a:normAutofit/>
-          </a:bodyPr>
-          <a:lstStyle/>
-          <a:p>
-            <a:r>
-              <a:rPr lang="en-AU" sz="4000" dirty="0">
-                <a:latin typeface="Britannic Bold" panose="020B0903060703020204" pitchFamily="34" charset="77"/>
-              </a:rPr>
-              <a:t>Diverged Stacked Bar Chart</a:t>
-            </a:r>
-            <a:endParaRPr lang="en-US" sz="4000" dirty="0">
-              <a:latin typeface="Britannic Bold" panose="020B0903060703020204" pitchFamily="34" charset="77"/>
-            </a:endParaRPr>
-          </a:p>
-        </p:txBody>
-      </p:sp>
-      <p:sp>
-        <p:nvSpPr>
-          <p:cNvPr id="20" name="Title 1">
-            <a:extLst>
-              <a:ext uri="{FF2B5EF4-FFF2-40B4-BE49-F238E27FC236}">
-                <a16:creationId xmlns:a16="http://schemas.microsoft.com/office/drawing/2014/main" id="{8DF4BAEA-A073-9446-AF66-86C811DAA0AF}"/>
-              </a:ext>
-            </a:extLst>
-          </p:cNvPr>
-          <p:cNvSpPr txBox="1">
-            <a:spLocks/>
-          </p:cNvSpPr>
-          <p:nvPr/>
-        </p:nvSpPr>
-        <p:spPr>
-          <a:xfrm>
-            <a:off x="245819" y="2517207"/>
-            <a:ext cx="6234303" cy="1973944"/>
-          </a:xfrm>
-          <a:prstGeom prst="rect">
-            <a:avLst/>
-          </a:prstGeom>
-        </p:spPr>
-        <p:txBody>
-          <a:bodyPr vert="horz" lIns="91440" tIns="45720" rIns="91440" bIns="45720" rtlCol="0" anchor="ctr">
-            <a:normAutofit/>
-          </a:bodyPr>
-          <a:lstStyle>
-            <a:lvl1pPr algn="l" defTabSz="914400" rtl="0" eaLnBrk="1" latinLnBrk="0" hangingPunct="1">
-              <a:lnSpc>
-                <a:spcPct val="90000"/>
-              </a:lnSpc>
-              <a:spcBef>
-                <a:spcPct val="0"/>
-              </a:spcBef>
-              <a:buNone/>
-              <a:defRPr sz="4400" kern="1200">
-                <a:solidFill>
-                  <a:schemeClr val="tx1"/>
-                </a:solidFill>
-                <a:latin typeface="+mj-lt"/>
-                <a:ea typeface="+mj-ea"/>
-                <a:cs typeface="+mj-cs"/>
-              </a:defRPr>
-            </a:lvl1pPr>
-          </a:lstStyle>
-          <a:p>
-            <a:endParaRPr lang="en-US" sz="2800" dirty="0">
-              <a:latin typeface="Al Nile" pitchFamily="2" charset="-78"/>
-              <a:cs typeface="Al Nile" pitchFamily="2" charset="-78"/>
-            </a:endParaRPr>
-          </a:p>
-        </p:txBody>
-      </p:sp>
-    </p:spTree>
-    <p:extLst>
-      <p:ext uri="{BB962C8B-B14F-4D97-AF65-F5344CB8AC3E}">
-        <p14:creationId xmlns:p14="http://schemas.microsoft.com/office/powerpoint/2010/main" val="3686280655"/>
       </p:ext>
     </p:extLst>
   </p:cSld>
